--- a/demo.pptx
+++ b/demo.pptx
@@ -11,7 +11,6 @@
     <p:sldId id="259" r:id="rId5"/>
     <p:sldId id="260" r:id="rId6"/>
     <p:sldId id="261" r:id="rId7"/>
-    <p:sldId id="262" r:id="rId8"/>
   </p:sldIdLst>
   <p:sldSz cx="9144000" cy="6858000" type="screen4x3"/>
   <p:notesSz cx="6858000" cy="9144000"/>
@@ -350,7 +349,7 @@
           <a:p>
             <a:fld id="{CEA4F80E-EF3C-4D0E-A7E6-C20606EE442A}" type="datetimeFigureOut">
               <a:rPr lang="en-US" smtClean="0"/>
-              <a:t>9/26/2010</a:t>
+              <a:t>12/13/2010</a:t>
             </a:fld>
             <a:endParaRPr lang="en-US"/>
           </a:p>
@@ -520,7 +519,7 @@
           <a:p>
             <a:fld id="{CEA4F80E-EF3C-4D0E-A7E6-C20606EE442A}" type="datetimeFigureOut">
               <a:rPr lang="en-US" smtClean="0"/>
-              <a:t>9/26/2010</a:t>
+              <a:t>12/13/2010</a:t>
             </a:fld>
             <a:endParaRPr lang="en-US"/>
           </a:p>
@@ -695,7 +694,7 @@
           <a:p>
             <a:fld id="{CEA4F80E-EF3C-4D0E-A7E6-C20606EE442A}" type="datetimeFigureOut">
               <a:rPr lang="en-US" smtClean="0"/>
-              <a:t>9/26/2010</a:t>
+              <a:t>12/13/2010</a:t>
             </a:fld>
             <a:endParaRPr lang="en-US"/>
           </a:p>
@@ -860,7 +859,7 @@
           <a:p>
             <a:fld id="{CEA4F80E-EF3C-4D0E-A7E6-C20606EE442A}" type="datetimeFigureOut">
               <a:rPr lang="en-US" smtClean="0"/>
-              <a:t>9/26/2010</a:t>
+              <a:t>12/13/2010</a:t>
             </a:fld>
             <a:endParaRPr lang="en-US"/>
           </a:p>
@@ -1117,7 +1116,7 @@
           <a:p>
             <a:fld id="{CEA4F80E-EF3C-4D0E-A7E6-C20606EE442A}" type="datetimeFigureOut">
               <a:rPr lang="en-US" smtClean="0"/>
-              <a:t>9/26/2010</a:t>
+              <a:t>12/13/2010</a:t>
             </a:fld>
             <a:endParaRPr lang="en-US"/>
           </a:p>
@@ -1257,7 +1256,7 @@
           <a:p>
             <a:fld id="{CEA4F80E-EF3C-4D0E-A7E6-C20606EE442A}" type="datetimeFigureOut">
               <a:rPr lang="en-US" smtClean="0"/>
-              <a:t>9/26/2010</a:t>
+              <a:t>12/13/2010</a:t>
             </a:fld>
             <a:endParaRPr lang="en-US"/>
           </a:p>
@@ -1907,7 +1906,7 @@
           <a:p>
             <a:fld id="{CEA4F80E-EF3C-4D0E-A7E6-C20606EE442A}" type="datetimeFigureOut">
               <a:rPr lang="en-US" smtClean="0"/>
-              <a:t>9/26/2010</a:t>
+              <a:t>12/13/2010</a:t>
             </a:fld>
             <a:endParaRPr lang="en-US"/>
           </a:p>
@@ -2020,7 +2019,7 @@
           <a:p>
             <a:fld id="{CEA4F80E-EF3C-4D0E-A7E6-C20606EE442A}" type="datetimeFigureOut">
               <a:rPr lang="en-US" smtClean="0"/>
-              <a:t>9/26/2010</a:t>
+              <a:t>12/13/2010</a:t>
             </a:fld>
             <a:endParaRPr lang="en-US"/>
           </a:p>
@@ -2110,7 +2109,7 @@
           <a:p>
             <a:fld id="{CEA4F80E-EF3C-4D0E-A7E6-C20606EE442A}" type="datetimeFigureOut">
               <a:rPr lang="en-US" smtClean="0"/>
-              <a:t>9/26/2010</a:t>
+              <a:t>12/13/2010</a:t>
             </a:fld>
             <a:endParaRPr lang="en-US"/>
           </a:p>
@@ -2400,7 +2399,7 @@
           <a:p>
             <a:fld id="{CEA4F80E-EF3C-4D0E-A7E6-C20606EE442A}" type="datetimeFigureOut">
               <a:rPr lang="en-US" smtClean="0"/>
-              <a:t>9/26/2010</a:t>
+              <a:t>12/13/2010</a:t>
             </a:fld>
             <a:endParaRPr lang="en-US"/>
           </a:p>
@@ -2723,7 +2722,7 @@
           <a:p>
             <a:fld id="{CEA4F80E-EF3C-4D0E-A7E6-C20606EE442A}" type="datetimeFigureOut">
               <a:rPr lang="en-US" smtClean="0"/>
-              <a:t>9/26/2010</a:t>
+              <a:t>12/13/2010</a:t>
             </a:fld>
             <a:endParaRPr lang="en-US"/>
           </a:p>
@@ -3180,7 +3179,7 @@
           <a:p>
             <a:fld id="{CEA4F80E-EF3C-4D0E-A7E6-C20606EE442A}" type="datetimeFigureOut">
               <a:rPr lang="en-US" smtClean="0"/>
-              <a:t>9/26/2010</a:t>
+              <a:t>12/13/2010</a:t>
             </a:fld>
             <a:endParaRPr lang="en-US"/>
           </a:p>
@@ -3905,8 +3904,17 @@
           <a:p>
             <a:r>
               <a:rPr lang="en-US" dirty="0" smtClean="0"/>
-              <a:t>Ages 8+</a:t>
-            </a:r>
+              <a:t>Ages </a:t>
+            </a:r>
+            <a:r>
+              <a:rPr lang="en-US" dirty="0" smtClean="0"/>
+              <a:t>10</a:t>
+            </a:r>
+            <a:r>
+              <a:rPr lang="en-US" dirty="0" smtClean="0"/>
+              <a:t>+</a:t>
+            </a:r>
+            <a:endParaRPr lang="en-US" dirty="0" smtClean="0"/>
           </a:p>
           <a:p>
             <a:r>
@@ -3917,12 +3925,8 @@
           </a:p>
           <a:p>
             <a:r>
-              <a:rPr lang="en-US" smtClean="0"/>
-              <a:t>Need games that do </a:t>
-            </a:r>
-            <a:r>
               <a:rPr lang="en-US" dirty="0" smtClean="0"/>
-              <a:t>not depend on speed or other physical capabilities</a:t>
+              <a:t>Need games that do not depend on speed or other physical capabilities</a:t>
             </a:r>
           </a:p>
         </p:txBody>
@@ -3990,7 +3994,12 @@
             <p:ph idx="1"/>
           </p:nvPr>
         </p:nvSpPr>
-        <p:spPr/>
+        <p:spPr>
+          <a:xfrm>
+            <a:off x="2133600" y="685801"/>
+            <a:ext cx="6096000" cy="3886199"/>
+          </a:xfrm>
+        </p:spPr>
         <p:txBody>
           <a:bodyPr/>
           <a:lstStyle/>
@@ -4045,8 +4054,27 @@
             <a:pPr lvl="2"/>
             <a:r>
               <a:rPr lang="en-US" dirty="0" smtClean="0"/>
-              <a:t>Not required, but available for switch user</a:t>
-            </a:r>
+              <a:t>Not required, but available for switch </a:t>
+            </a:r>
+            <a:r>
+              <a:rPr lang="en-US" dirty="0" smtClean="0"/>
+              <a:t>user</a:t>
+            </a:r>
+          </a:p>
+          <a:p>
+            <a:pPr lvl="1"/>
+            <a:r>
+              <a:rPr lang="en-US" dirty="0" smtClean="0"/>
+              <a:t>Can be saved</a:t>
+            </a:r>
+          </a:p>
+          <a:p>
+            <a:pPr lvl="1"/>
+            <a:r>
+              <a:rPr lang="en-US" dirty="0" smtClean="0"/>
+              <a:t>Customizable background color, font size, and font color</a:t>
+            </a:r>
+            <a:endParaRPr lang="en-US" dirty="0" smtClean="0"/>
           </a:p>
         </p:txBody>
       </p:sp>
@@ -4113,7 +4141,12 @@
             <p:ph idx="1"/>
           </p:nvPr>
         </p:nvSpPr>
-        <p:spPr/>
+        <p:spPr>
+          <a:xfrm>
+            <a:off x="2133600" y="685801"/>
+            <a:ext cx="6096000" cy="4343399"/>
+          </a:xfrm>
+        </p:spPr>
         <p:txBody>
           <a:bodyPr/>
           <a:lstStyle/>
@@ -4138,8 +4171,55 @@
           <a:p>
             <a:r>
               <a:rPr lang="en-US" dirty="0" smtClean="0"/>
-              <a:t>Different ways to play through the game</a:t>
-            </a:r>
+              <a:t>Different ways to play through the </a:t>
+            </a:r>
+            <a:r>
+              <a:rPr lang="en-US" dirty="0" smtClean="0"/>
+              <a:t>game</a:t>
+            </a:r>
+          </a:p>
+          <a:p>
+            <a:r>
+              <a:rPr lang="en-US" dirty="0" smtClean="0"/>
+              <a:t>Different difficulties</a:t>
+            </a:r>
+            <a:endParaRPr lang="en-US" dirty="0" smtClean="0"/>
+          </a:p>
+          <a:p>
+            <a:r>
+              <a:rPr lang="en-US" dirty="0" smtClean="0"/>
+              <a:t>Mini games</a:t>
+            </a:r>
+            <a:endParaRPr lang="en-US" dirty="0"/>
+          </a:p>
+          <a:p>
+            <a:pPr lvl="1"/>
+            <a:r>
+              <a:rPr lang="en-US" dirty="0" smtClean="0"/>
+              <a:t>Combat</a:t>
+            </a:r>
+          </a:p>
+          <a:p>
+            <a:pPr lvl="1"/>
+            <a:r>
+              <a:rPr lang="en-US" dirty="0" smtClean="0"/>
+              <a:t>Lock picking</a:t>
+            </a:r>
+          </a:p>
+          <a:p>
+            <a:pPr lvl="1"/>
+            <a:r>
+              <a:rPr lang="en-US" dirty="0" smtClean="0"/>
+              <a:t>Maze</a:t>
+            </a:r>
+          </a:p>
+          <a:p>
+            <a:pPr lvl="1"/>
+            <a:r>
+              <a:rPr lang="en-US" dirty="0" smtClean="0"/>
+              <a:t>Safecracking</a:t>
+            </a:r>
+            <a:endParaRPr lang="en-US" dirty="0" smtClean="0"/>
           </a:p>
           <a:p>
             <a:endParaRPr lang="en-US" dirty="0"/>
@@ -4257,126 +4337,6 @@
     <p:extLst>
       <p:ext uri="{BB962C8B-B14F-4D97-AF65-F5344CB8AC3E}">
         <p14:creationId xmlns:p14="http://schemas.microsoft.com/office/powerpoint/2010/main" val="1980632529"/>
-      </p:ext>
-    </p:extLst>
-  </p:cSld>
-  <p:clrMapOvr>
-    <a:masterClrMapping/>
-  </p:clrMapOvr>
-</p:sld>
-</file>
-
-<file path=ppt/slides/slide7.xml><?xml version="1.0" encoding="utf-8"?>
-<p:sld xmlns:a="http://schemas.openxmlformats.org/drawingml/2006/main" xmlns:r="http://schemas.openxmlformats.org/officeDocument/2006/relationships" xmlns:p="http://schemas.openxmlformats.org/presentationml/2006/main">
-  <p:cSld>
-    <p:spTree>
-      <p:nvGrpSpPr>
-        <p:cNvPr id="1" name=""/>
-        <p:cNvGrpSpPr/>
-        <p:nvPr/>
-      </p:nvGrpSpPr>
-      <p:grpSpPr>
-        <a:xfrm>
-          <a:off x="0" y="0"/>
-          <a:ext cx="0" cy="0"/>
-          <a:chOff x="0" y="0"/>
-          <a:chExt cx="0" cy="0"/>
-        </a:xfrm>
-      </p:grpSpPr>
-      <p:sp>
-        <p:nvSpPr>
-          <p:cNvPr id="2" name="Content Placeholder 1"/>
-          <p:cNvSpPr>
-            <a:spLocks noGrp="1"/>
-          </p:cNvSpPr>
-          <p:nvPr>
-            <p:ph idx="1"/>
-          </p:nvPr>
-        </p:nvSpPr>
-        <p:spPr/>
-        <p:txBody>
-          <a:bodyPr/>
-          <a:lstStyle/>
-          <a:p>
-            <a:r>
-              <a:rPr lang="en-US" dirty="0" smtClean="0"/>
-              <a:t>Add mini games</a:t>
-            </a:r>
-          </a:p>
-          <a:p>
-            <a:pPr lvl="1"/>
-            <a:r>
-              <a:rPr lang="en-US" dirty="0" smtClean="0"/>
-              <a:t>Lock picking, safe combo, maze</a:t>
-            </a:r>
-          </a:p>
-          <a:p>
-            <a:r>
-              <a:rPr lang="en-US" dirty="0" smtClean="0"/>
-              <a:t>Add tiered menu available at any point</a:t>
-            </a:r>
-          </a:p>
-          <a:p>
-            <a:r>
-              <a:rPr lang="en-US" dirty="0" smtClean="0"/>
-              <a:t>Improve GUI</a:t>
-            </a:r>
-          </a:p>
-          <a:p>
-            <a:r>
-              <a:rPr lang="en-US" dirty="0" smtClean="0"/>
-              <a:t>Add graphics and audio</a:t>
-            </a:r>
-          </a:p>
-          <a:p>
-            <a:r>
-              <a:rPr lang="en-US" dirty="0" smtClean="0"/>
-              <a:t>Add more content</a:t>
-            </a:r>
-          </a:p>
-          <a:p>
-            <a:r>
-              <a:rPr lang="en-US" dirty="0" smtClean="0"/>
-              <a:t>Make extendable for future</a:t>
-            </a:r>
-          </a:p>
-          <a:p>
-            <a:pPr lvl="1"/>
-            <a:r>
-              <a:rPr lang="en-US" dirty="0" smtClean="0"/>
-              <a:t>Stretch goal of user interface for adding content</a:t>
-            </a:r>
-            <a:endParaRPr lang="en-US" dirty="0"/>
-          </a:p>
-        </p:txBody>
-      </p:sp>
-      <p:sp>
-        <p:nvSpPr>
-          <p:cNvPr id="3" name="Title 2"/>
-          <p:cNvSpPr>
-            <a:spLocks noGrp="1"/>
-          </p:cNvSpPr>
-          <p:nvPr>
-            <p:ph type="title"/>
-          </p:nvPr>
-        </p:nvSpPr>
-        <p:spPr/>
-        <p:txBody>
-          <a:bodyPr/>
-          <a:lstStyle/>
-          <a:p>
-            <a:r>
-              <a:rPr lang="en-US" dirty="0" smtClean="0"/>
-              <a:t>Goals</a:t>
-            </a:r>
-            <a:endParaRPr lang="en-US" dirty="0"/>
-          </a:p>
-        </p:txBody>
-      </p:sp>
-    </p:spTree>
-    <p:extLst>
-      <p:ext uri="{BB962C8B-B14F-4D97-AF65-F5344CB8AC3E}">
-        <p14:creationId xmlns:p14="http://schemas.microsoft.com/office/powerpoint/2010/main" val="3423689840"/>
       </p:ext>
     </p:extLst>
   </p:cSld>

--- a/demo.pptx
+++ b/demo.pptx
@@ -2,7 +2,7 @@
 <file path=ppt/presentation.xml><?xml version="1.0" encoding="utf-8"?>
 <p:presentation xmlns:a="http://schemas.openxmlformats.org/drawingml/2006/main" xmlns:r="http://schemas.openxmlformats.org/officeDocument/2006/relationships" xmlns:p="http://schemas.openxmlformats.org/presentationml/2006/main" saveSubsetFonts="1">
   <p:sldMasterIdLst>
-    <p:sldMasterId id="2147483672" r:id="rId1"/>
+    <p:sldMasterId id="2147483684" r:id="rId1"/>
   </p:sldMasterIdLst>
   <p:sldIdLst>
     <p:sldId id="256" r:id="rId2"/>
@@ -131,77 +131,30 @@
       </p:grpSpPr>
       <p:sp>
         <p:nvSpPr>
-          <p:cNvPr id="8" name="TextBox 7"/>
-          <p:cNvSpPr txBox="1"/>
-          <p:nvPr/>
+          <p:cNvPr id="2" name="Title 1"/>
+          <p:cNvSpPr>
+            <a:spLocks noGrp="1"/>
+          </p:cNvSpPr>
+          <p:nvPr>
+            <p:ph type="ctrTitle"/>
+          </p:nvPr>
         </p:nvSpPr>
         <p:spPr>
           <a:xfrm>
-            <a:off x="1828800" y="3159760"/>
-            <a:ext cx="457200" cy="1034129"/>
-          </a:xfrm>
-          <a:prstGeom prst="rect">
-            <a:avLst/>
-          </a:prstGeom>
-          <a:noFill/>
-        </p:spPr>
-        <p:txBody>
-          <a:bodyPr wrap="square" lIns="0" tIns="9144" rIns="0" bIns="9144" rtlCol="0" anchor="ctr" anchorCtr="0">
-            <a:spAutoFit/>
-          </a:bodyPr>
-          <a:lstStyle/>
-          <a:p>
-            <a:r>
-              <a:rPr lang="en-US" sz="6600" dirty="0" smtClean="0">
-                <a:effectLst>
-                  <a:outerShdw blurRad="38100" dist="38100" dir="2700000" algn="tl">
-                    <a:srgbClr val="000000">
-                      <a:alpha val="43137"/>
-                    </a:srgbClr>
-                  </a:outerShdw>
-                </a:effectLst>
-                <a:latin typeface="+mn-lt"/>
-              </a:rPr>
-              <a:t>{</a:t>
-            </a:r>
-            <a:endParaRPr lang="en-US" sz="6600" dirty="0">
-              <a:effectLst>
-                <a:outerShdw blurRad="38100" dist="38100" dir="2700000" algn="tl">
-                  <a:srgbClr val="000000">
-                    <a:alpha val="43137"/>
-                  </a:srgbClr>
-                </a:outerShdw>
-              </a:effectLst>
-              <a:latin typeface="+mn-lt"/>
-            </a:endParaRPr>
-          </a:p>
-        </p:txBody>
-      </p:sp>
-      <p:sp>
-        <p:nvSpPr>
-          <p:cNvPr id="2" name="Title 1"/>
-          <p:cNvSpPr>
-            <a:spLocks noGrp="1"/>
-          </p:cNvSpPr>
-          <p:nvPr>
-            <p:ph type="ctrTitle"/>
-          </p:nvPr>
-        </p:nvSpPr>
-        <p:spPr>
-          <a:xfrm>
-            <a:off x="777240" y="1219200"/>
-            <a:ext cx="7543800" cy="2152650"/>
+            <a:off x="685800" y="1905000"/>
+            <a:ext cx="7543800" cy="2593975"/>
           </a:xfrm>
         </p:spPr>
         <p:txBody>
-          <a:bodyPr>
-            <a:noAutofit/>
-          </a:bodyPr>
+          <a:bodyPr anchor="b"/>
           <a:lstStyle>
             <a:lvl1pPr>
-              <a:defRPr sz="6000">
+              <a:defRPr sz="6600">
+                <a:ln>
+                  <a:noFill/>
+                </a:ln>
                 <a:solidFill>
-                  <a:schemeClr val="tx1"/>
+                  <a:schemeClr val="tx2"/>
                 </a:solidFill>
               </a:defRPr>
             </a:lvl1pPr>
@@ -227,18 +180,22 @@
         </p:nvSpPr>
         <p:spPr>
           <a:xfrm>
-            <a:off x="2133600" y="3375491"/>
-            <a:ext cx="6172200" cy="685800"/>
+            <a:off x="685800" y="4572000"/>
+            <a:ext cx="6461760" cy="1066800"/>
           </a:xfrm>
         </p:spPr>
         <p:txBody>
-          <a:bodyPr anchor="ctr"/>
+          <a:bodyPr anchor="t">
+            <a:normAutofit/>
+          </a:bodyPr>
           <a:lstStyle>
             <a:lvl1pPr marL="0" indent="0" algn="l">
               <a:buNone/>
-              <a:defRPr>
+              <a:defRPr sz="2000">
                 <a:solidFill>
-                  <a:schemeClr val="tx1"/>
+                  <a:schemeClr val="tx1">
+                    <a:tint val="75000"/>
+                  </a:schemeClr>
                 </a:solidFill>
               </a:defRPr>
             </a:lvl1pPr>
@@ -334,7 +291,7 @@
       </p:sp>
       <p:sp>
         <p:nvSpPr>
-          <p:cNvPr id="15" name="Date Placeholder 14"/>
+          <p:cNvPr id="4" name="Date Placeholder 3"/>
           <p:cNvSpPr>
             <a:spLocks noGrp="1"/>
           </p:cNvSpPr>
@@ -357,12 +314,31 @@
       </p:sp>
       <p:sp>
         <p:nvSpPr>
-          <p:cNvPr id="16" name="Slide Number Placeholder 15"/>
-          <p:cNvSpPr>
-            <a:spLocks noGrp="1"/>
-          </p:cNvSpPr>
-          <p:nvPr>
-            <p:ph type="sldNum" sz="quarter" idx="11"/>
+          <p:cNvPr id="5" name="Footer Placeholder 4"/>
+          <p:cNvSpPr>
+            <a:spLocks noGrp="1"/>
+          </p:cNvSpPr>
+          <p:nvPr>
+            <p:ph type="ftr" sz="quarter" idx="11"/>
+          </p:nvPr>
+        </p:nvSpPr>
+        <p:spPr/>
+        <p:txBody>
+          <a:bodyPr/>
+          <a:lstStyle/>
+          <a:p>
+            <a:endParaRPr lang="en-US"/>
+          </a:p>
+        </p:txBody>
+      </p:sp>
+      <p:sp>
+        <p:nvSpPr>
+          <p:cNvPr id="6" name="Slide Number Placeholder 5"/>
+          <p:cNvSpPr>
+            <a:spLocks noGrp="1"/>
+          </p:cNvSpPr>
+          <p:nvPr>
+            <p:ph type="sldNum" sz="quarter" idx="12"/>
           </p:nvPr>
         </p:nvSpPr>
         <p:spPr/>
@@ -374,25 +350,6 @@
               <a:rPr lang="en-US" smtClean="0"/>
               <a:t>‹#›</a:t>
             </a:fld>
-            <a:endParaRPr lang="en-US"/>
-          </a:p>
-        </p:txBody>
-      </p:sp>
-      <p:sp>
-        <p:nvSpPr>
-          <p:cNvPr id="17" name="Footer Placeholder 16"/>
-          <p:cNvSpPr>
-            <a:spLocks noGrp="1"/>
-          </p:cNvSpPr>
-          <p:nvPr>
-            <p:ph type="ftr" sz="quarter" idx="12"/>
-          </p:nvPr>
-        </p:nvSpPr>
-        <p:spPr/>
-        <p:txBody>
-          <a:bodyPr/>
-          <a:lstStyle/>
-          <a:p>
             <a:endParaRPr lang="en-US"/>
           </a:p>
         </p:txBody>
@@ -441,7 +398,7 @@
               <a:rPr lang="en-US" smtClean="0"/>
               <a:t>Click to edit Master title style</a:t>
             </a:r>
-            <a:endParaRPr lang="en-US" dirty="0"/>
+            <a:endParaRPr lang="en-US"/>
           </a:p>
         </p:txBody>
       </p:sp>
@@ -455,14 +412,9 @@
             <p:ph type="body" orient="vert" idx="1"/>
           </p:nvPr>
         </p:nvSpPr>
-        <p:spPr>
-          <a:xfrm>
-            <a:off x="2133600" y="685801"/>
-            <a:ext cx="5791200" cy="3505199"/>
-          </a:xfrm>
-        </p:spPr>
-        <p:txBody>
-          <a:bodyPr vert="eaVert" anchor="t"/>
+        <p:spPr/>
+        <p:txBody>
+          <a:bodyPr vert="eaVert"/>
           <a:lstStyle/>
           <a:p>
             <a:pPr lvl="0"/>
@@ -604,12 +556,12 @@
         </p:nvSpPr>
         <p:spPr>
           <a:xfrm>
-            <a:off x="609600" y="609601"/>
-            <a:ext cx="2133600" cy="5181600"/>
+            <a:off x="6629400" y="274638"/>
+            <a:ext cx="1752600" cy="5851525"/>
           </a:xfrm>
         </p:spPr>
         <p:txBody>
-          <a:bodyPr vert="eaVert"/>
+          <a:bodyPr vert="eaVert" anchor="b" anchorCtr="0"/>
           <a:lstStyle/>
           <a:p>
             <a:r>
@@ -632,12 +584,12 @@
         </p:nvSpPr>
         <p:spPr>
           <a:xfrm>
-            <a:off x="2895600" y="685801"/>
-            <a:ext cx="5029200" cy="4572000"/>
+            <a:off x="457200" y="274638"/>
+            <a:ext cx="6019800" cy="5851525"/>
           </a:xfrm>
         </p:spPr>
         <p:txBody>
-          <a:bodyPr vert="eaVert" anchor="t"/>
+          <a:bodyPr vert="eaVert"/>
           <a:lstStyle/>
           <a:p>
             <a:pPr lvl="0"/>
@@ -673,7 +625,7 @@
               <a:rPr lang="en-US" smtClean="0"/>
               <a:t>Fifth level</a:t>
             </a:r>
-            <a:endParaRPr lang="en-US" dirty="0"/>
+            <a:endParaRPr lang="en-US"/>
           </a:p>
         </p:txBody>
       </p:sp>
@@ -769,6 +721,29 @@
       </p:grpSpPr>
       <p:sp>
         <p:nvSpPr>
+          <p:cNvPr id="2" name="Title 1"/>
+          <p:cNvSpPr>
+            <a:spLocks noGrp="1"/>
+          </p:cNvSpPr>
+          <p:nvPr>
+            <p:ph type="title"/>
+          </p:nvPr>
+        </p:nvSpPr>
+        <p:spPr/>
+        <p:txBody>
+          <a:bodyPr/>
+          <a:lstStyle/>
+          <a:p>
+            <a:r>
+              <a:rPr lang="en-US" smtClean="0"/>
+              <a:t>Click to edit Master title style</a:t>
+            </a:r>
+            <a:endParaRPr lang="en-US"/>
+          </a:p>
+        </p:txBody>
+      </p:sp>
+      <p:sp>
+        <p:nvSpPr>
           <p:cNvPr id="3" name="Content Placeholder 2"/>
           <p:cNvSpPr>
             <a:spLocks noGrp="1"/>
@@ -821,30 +796,7 @@
       </p:sp>
       <p:sp>
         <p:nvSpPr>
-          <p:cNvPr id="13" name="Title 12"/>
-          <p:cNvSpPr>
-            <a:spLocks noGrp="1"/>
-          </p:cNvSpPr>
-          <p:nvPr>
-            <p:ph type="title"/>
-          </p:nvPr>
-        </p:nvSpPr>
-        <p:spPr/>
-        <p:txBody>
-          <a:bodyPr/>
-          <a:lstStyle/>
-          <a:p>
-            <a:r>
-              <a:rPr lang="en-US" smtClean="0"/>
-              <a:t>Click to edit Master title style</a:t>
-            </a:r>
-            <a:endParaRPr lang="en-US"/>
-          </a:p>
-        </p:txBody>
-      </p:sp>
-      <p:sp>
-        <p:nvSpPr>
-          <p:cNvPr id="14" name="Date Placeholder 13"/>
+          <p:cNvPr id="4" name="Date Placeholder 3"/>
           <p:cNvSpPr>
             <a:spLocks noGrp="1"/>
           </p:cNvSpPr>
@@ -867,12 +819,31 @@
       </p:sp>
       <p:sp>
         <p:nvSpPr>
-          <p:cNvPr id="15" name="Slide Number Placeholder 14"/>
-          <p:cNvSpPr>
-            <a:spLocks noGrp="1"/>
-          </p:cNvSpPr>
-          <p:nvPr>
-            <p:ph type="sldNum" sz="quarter" idx="11"/>
+          <p:cNvPr id="5" name="Footer Placeholder 4"/>
+          <p:cNvSpPr>
+            <a:spLocks noGrp="1"/>
+          </p:cNvSpPr>
+          <p:nvPr>
+            <p:ph type="ftr" sz="quarter" idx="11"/>
+          </p:nvPr>
+        </p:nvSpPr>
+        <p:spPr/>
+        <p:txBody>
+          <a:bodyPr/>
+          <a:lstStyle/>
+          <a:p>
+            <a:endParaRPr lang="en-US"/>
+          </a:p>
+        </p:txBody>
+      </p:sp>
+      <p:sp>
+        <p:nvSpPr>
+          <p:cNvPr id="6" name="Slide Number Placeholder 5"/>
+          <p:cNvSpPr>
+            <a:spLocks noGrp="1"/>
+          </p:cNvSpPr>
+          <p:nvPr>
+            <p:ph type="sldNum" sz="quarter" idx="12"/>
           </p:nvPr>
         </p:nvSpPr>
         <p:spPr/>
@@ -884,25 +855,6 @@
               <a:rPr lang="en-US" smtClean="0"/>
               <a:t>‹#›</a:t>
             </a:fld>
-            <a:endParaRPr lang="en-US"/>
-          </a:p>
-        </p:txBody>
-      </p:sp>
-      <p:sp>
-        <p:nvSpPr>
-          <p:cNvPr id="16" name="Footer Placeholder 15"/>
-          <p:cNvSpPr>
-            <a:spLocks noGrp="1"/>
-          </p:cNvSpPr>
-          <p:nvPr>
-            <p:ph type="ftr" sz="quarter" idx="12"/>
-          </p:nvPr>
-        </p:nvSpPr>
-        <p:spPr/>
-        <p:txBody>
-          <a:bodyPr/>
-          <a:lstStyle/>
-          <a:p>
             <a:endParaRPr lang="en-US"/>
           </a:p>
         </p:txBody>
@@ -934,49 +886,33 @@
       </p:grpSpPr>
       <p:sp>
         <p:nvSpPr>
-          <p:cNvPr id="8" name="TextBox 7"/>
-          <p:cNvSpPr txBox="1"/>
-          <p:nvPr/>
+          <p:cNvPr id="2" name="Title 1"/>
+          <p:cNvSpPr>
+            <a:spLocks noGrp="1"/>
+          </p:cNvSpPr>
+          <p:nvPr>
+            <p:ph type="title"/>
+          </p:nvPr>
         </p:nvSpPr>
         <p:spPr>
           <a:xfrm>
-            <a:off x="4267200" y="4074497"/>
-            <a:ext cx="457200" cy="1015663"/>
+            <a:off x="722313" y="5486400"/>
+            <a:ext cx="7659687" cy="1168400"/>
           </a:xfrm>
-          <a:prstGeom prst="rect">
-            <a:avLst/>
-          </a:prstGeom>
-          <a:noFill/>
         </p:spPr>
         <p:txBody>
-          <a:bodyPr wrap="square" lIns="0" tIns="0" rIns="0" bIns="0" rtlCol="0" anchor="t" anchorCtr="0">
-            <a:spAutoFit/>
-          </a:bodyPr>
-          <a:lstStyle/>
-          <a:p>
-            <a:r>
-              <a:rPr lang="en-US" sz="6600" dirty="0" smtClean="0">
-                <a:effectLst>
-                  <a:outerShdw blurRad="38100" dist="38100" dir="2700000" algn="tl">
-                    <a:srgbClr val="000000">
-                      <a:alpha val="43137"/>
-                    </a:srgbClr>
-                  </a:outerShdw>
-                </a:effectLst>
-                <a:latin typeface="+mn-lt"/>
-              </a:rPr>
-              <a:t>{</a:t>
-            </a:r>
-            <a:endParaRPr lang="en-US" sz="6600" dirty="0">
-              <a:effectLst>
-                <a:outerShdw blurRad="38100" dist="38100" dir="2700000" algn="tl">
-                  <a:srgbClr val="000000">
-                    <a:alpha val="43137"/>
-                  </a:srgbClr>
-                </a:outerShdw>
-              </a:effectLst>
-              <a:latin typeface="+mn-lt"/>
-            </a:endParaRPr>
+          <a:bodyPr anchor="t"/>
+          <a:lstStyle>
+            <a:lvl1pPr algn="l">
+              <a:defRPr sz="3600" b="0" cap="all"/>
+            </a:lvl1pPr>
+          </a:lstStyle>
+          <a:p>
+            <a:r>
+              <a:rPr lang="en-US" smtClean="0"/>
+              <a:t>Click to edit Master title style</a:t>
+            </a:r>
+            <a:endParaRPr lang="en-US" dirty="0"/>
           </a:p>
         </p:txBody>
       </p:sp>
@@ -992,20 +928,20 @@
         </p:nvSpPr>
         <p:spPr>
           <a:xfrm>
-            <a:off x="4572000" y="4267368"/>
-            <a:ext cx="3733800" cy="731520"/>
+            <a:off x="722313" y="3852863"/>
+            <a:ext cx="6135687" cy="1633538"/>
           </a:xfrm>
         </p:spPr>
         <p:txBody>
-          <a:bodyPr anchor="ctr">
-            <a:normAutofit/>
-          </a:bodyPr>
+          <a:bodyPr anchor="b"/>
           <a:lstStyle>
             <a:lvl1pPr marL="0" indent="0">
               <a:buNone/>
-              <a:defRPr sz="1800">
+              <a:defRPr sz="2000">
                 <a:solidFill>
-                  <a:schemeClr val="tx1"/>
+                  <a:schemeClr val="tx1">
+                    <a:tint val="75000"/>
+                  </a:schemeClr>
                 </a:solidFill>
               </a:defRPr>
             </a:lvl1pPr>
@@ -1101,7 +1037,7 @@
       </p:sp>
       <p:sp>
         <p:nvSpPr>
-          <p:cNvPr id="12" name="Date Placeholder 11"/>
+          <p:cNvPr id="4" name="Date Placeholder 3"/>
           <p:cNvSpPr>
             <a:spLocks noGrp="1"/>
           </p:cNvSpPr>
@@ -1124,12 +1060,31 @@
       </p:sp>
       <p:sp>
         <p:nvSpPr>
-          <p:cNvPr id="13" name="Slide Number Placeholder 12"/>
-          <p:cNvSpPr>
-            <a:spLocks noGrp="1"/>
-          </p:cNvSpPr>
-          <p:nvPr>
-            <p:ph type="sldNum" sz="quarter" idx="11"/>
+          <p:cNvPr id="5" name="Footer Placeholder 4"/>
+          <p:cNvSpPr>
+            <a:spLocks noGrp="1"/>
+          </p:cNvSpPr>
+          <p:nvPr>
+            <p:ph type="ftr" sz="quarter" idx="11"/>
+          </p:nvPr>
+        </p:nvSpPr>
+        <p:spPr/>
+        <p:txBody>
+          <a:bodyPr/>
+          <a:lstStyle/>
+          <a:p>
+            <a:endParaRPr lang="en-US"/>
+          </a:p>
+        </p:txBody>
+      </p:sp>
+      <p:sp>
+        <p:nvSpPr>
+          <p:cNvPr id="6" name="Slide Number Placeholder 5"/>
+          <p:cNvSpPr>
+            <a:spLocks noGrp="1"/>
+          </p:cNvSpPr>
+          <p:nvPr>
+            <p:ph type="sldNum" sz="quarter" idx="12"/>
           </p:nvPr>
         </p:nvSpPr>
         <p:spPr/>
@@ -1142,75 +1097,6 @@
               <a:t>‹#›</a:t>
             </a:fld>
             <a:endParaRPr lang="en-US"/>
-          </a:p>
-        </p:txBody>
-      </p:sp>
-      <p:sp>
-        <p:nvSpPr>
-          <p:cNvPr id="14" name="Footer Placeholder 13"/>
-          <p:cNvSpPr>
-            <a:spLocks noGrp="1"/>
-          </p:cNvSpPr>
-          <p:nvPr>
-            <p:ph type="ftr" sz="quarter" idx="12"/>
-          </p:nvPr>
-        </p:nvSpPr>
-        <p:spPr/>
-        <p:txBody>
-          <a:bodyPr/>
-          <a:lstStyle/>
-          <a:p>
-            <a:endParaRPr lang="en-US"/>
-          </a:p>
-        </p:txBody>
-      </p:sp>
-      <p:sp>
-        <p:nvSpPr>
-          <p:cNvPr id="4" name="Title 3"/>
-          <p:cNvSpPr>
-            <a:spLocks noGrp="1"/>
-          </p:cNvSpPr>
-          <p:nvPr>
-            <p:ph type="title"/>
-          </p:nvPr>
-        </p:nvSpPr>
-        <p:spPr>
-          <a:xfrm>
-            <a:off x="2286000" y="1905000"/>
-            <a:ext cx="6035040" cy="2350008"/>
-          </a:xfrm>
-        </p:spPr>
-        <p:txBody>
-          <a:bodyPr/>
-          <a:lstStyle>
-            <a:lvl1pPr marL="0" algn="l" defTabSz="914400" rtl="0" eaLnBrk="1" latinLnBrk="0" hangingPunct="1">
-              <a:spcBef>
-                <a:spcPct val="0"/>
-              </a:spcBef>
-              <a:buNone/>
-              <a:defRPr lang="en-US" sz="5400" b="0" kern="1200" cap="none" dirty="0" smtClean="0">
-                <a:solidFill>
-                  <a:schemeClr val="tx1"/>
-                </a:solidFill>
-                <a:effectLst>
-                  <a:outerShdw blurRad="38100" dist="38100" dir="2700000" algn="tl">
-                    <a:srgbClr val="000000">
-                      <a:alpha val="43137"/>
-                    </a:srgbClr>
-                  </a:outerShdw>
-                </a:effectLst>
-                <a:latin typeface="+mj-lt"/>
-                <a:ea typeface="+mj-ea"/>
-                <a:cs typeface="+mj-cs"/>
-              </a:defRPr>
-            </a:lvl1pPr>
-          </a:lstStyle>
-          <a:p>
-            <a:r>
-              <a:rPr lang="en-US" smtClean="0"/>
-              <a:t>Click to edit Master title style</a:t>
-            </a:r>
-            <a:endParaRPr lang="en-US" dirty="0"/>
           </a:p>
         </p:txBody>
       </p:sp>
@@ -1241,7 +1127,200 @@
       </p:grpSpPr>
       <p:sp>
         <p:nvSpPr>
-          <p:cNvPr id="8" name="Date Placeholder 7"/>
+          <p:cNvPr id="2" name="Title 1"/>
+          <p:cNvSpPr>
+            <a:spLocks noGrp="1"/>
+          </p:cNvSpPr>
+          <p:nvPr>
+            <p:ph type="title"/>
+          </p:nvPr>
+        </p:nvSpPr>
+        <p:spPr/>
+        <p:txBody>
+          <a:bodyPr/>
+          <a:lstStyle/>
+          <a:p>
+            <a:r>
+              <a:rPr lang="en-US" smtClean="0"/>
+              <a:t>Click to edit Master title style</a:t>
+            </a:r>
+            <a:endParaRPr lang="en-US"/>
+          </a:p>
+        </p:txBody>
+      </p:sp>
+      <p:sp>
+        <p:nvSpPr>
+          <p:cNvPr id="3" name="Content Placeholder 2"/>
+          <p:cNvSpPr>
+            <a:spLocks noGrp="1"/>
+          </p:cNvSpPr>
+          <p:nvPr>
+            <p:ph sz="half" idx="1"/>
+          </p:nvPr>
+        </p:nvSpPr>
+        <p:spPr>
+          <a:xfrm>
+            <a:off x="457200" y="1536192"/>
+            <a:ext cx="3657600" cy="4590288"/>
+          </a:xfrm>
+        </p:spPr>
+        <p:txBody>
+          <a:bodyPr/>
+          <a:lstStyle>
+            <a:lvl1pPr>
+              <a:defRPr sz="2800"/>
+            </a:lvl1pPr>
+            <a:lvl2pPr>
+              <a:defRPr sz="2400"/>
+            </a:lvl2pPr>
+            <a:lvl3pPr>
+              <a:defRPr sz="2000"/>
+            </a:lvl3pPr>
+            <a:lvl4pPr>
+              <a:defRPr sz="1800"/>
+            </a:lvl4pPr>
+            <a:lvl5pPr>
+              <a:defRPr sz="1800"/>
+            </a:lvl5pPr>
+            <a:lvl6pPr>
+              <a:defRPr sz="1800"/>
+            </a:lvl6pPr>
+            <a:lvl7pPr>
+              <a:defRPr sz="1800"/>
+            </a:lvl7pPr>
+            <a:lvl8pPr>
+              <a:defRPr sz="1800"/>
+            </a:lvl8pPr>
+            <a:lvl9pPr>
+              <a:defRPr sz="1800"/>
+            </a:lvl9pPr>
+          </a:lstStyle>
+          <a:p>
+            <a:pPr lvl="0"/>
+            <a:r>
+              <a:rPr lang="en-US" smtClean="0"/>
+              <a:t>Click to edit Master text styles</a:t>
+            </a:r>
+          </a:p>
+          <a:p>
+            <a:pPr lvl="1"/>
+            <a:r>
+              <a:rPr lang="en-US" smtClean="0"/>
+              <a:t>Second level</a:t>
+            </a:r>
+          </a:p>
+          <a:p>
+            <a:pPr lvl="2"/>
+            <a:r>
+              <a:rPr lang="en-US" smtClean="0"/>
+              <a:t>Third level</a:t>
+            </a:r>
+          </a:p>
+          <a:p>
+            <a:pPr lvl="3"/>
+            <a:r>
+              <a:rPr lang="en-US" smtClean="0"/>
+              <a:t>Fourth level</a:t>
+            </a:r>
+          </a:p>
+          <a:p>
+            <a:pPr lvl="4"/>
+            <a:r>
+              <a:rPr lang="en-US" smtClean="0"/>
+              <a:t>Fifth level</a:t>
+            </a:r>
+            <a:endParaRPr lang="en-US" dirty="0"/>
+          </a:p>
+        </p:txBody>
+      </p:sp>
+      <p:sp>
+        <p:nvSpPr>
+          <p:cNvPr id="4" name="Content Placeholder 3"/>
+          <p:cNvSpPr>
+            <a:spLocks noGrp="1"/>
+          </p:cNvSpPr>
+          <p:nvPr>
+            <p:ph sz="half" idx="2"/>
+          </p:nvPr>
+        </p:nvSpPr>
+        <p:spPr>
+          <a:xfrm>
+            <a:off x="4419600" y="1536192"/>
+            <a:ext cx="3657600" cy="4590288"/>
+          </a:xfrm>
+        </p:spPr>
+        <p:txBody>
+          <a:bodyPr/>
+          <a:lstStyle>
+            <a:lvl1pPr>
+              <a:defRPr sz="2800"/>
+            </a:lvl1pPr>
+            <a:lvl2pPr>
+              <a:defRPr sz="2400"/>
+            </a:lvl2pPr>
+            <a:lvl3pPr>
+              <a:defRPr sz="2000"/>
+            </a:lvl3pPr>
+            <a:lvl4pPr>
+              <a:defRPr sz="1800"/>
+            </a:lvl4pPr>
+            <a:lvl5pPr>
+              <a:defRPr sz="1800"/>
+            </a:lvl5pPr>
+            <a:lvl6pPr>
+              <a:defRPr sz="1800"/>
+            </a:lvl6pPr>
+            <a:lvl7pPr>
+              <a:defRPr sz="1800"/>
+            </a:lvl7pPr>
+            <a:lvl8pPr>
+              <a:defRPr sz="1800"/>
+            </a:lvl8pPr>
+            <a:lvl9pPr>
+              <a:defRPr sz="1800"/>
+            </a:lvl9pPr>
+          </a:lstStyle>
+          <a:p>
+            <a:pPr lvl="0"/>
+            <a:r>
+              <a:rPr lang="en-US" smtClean="0"/>
+              <a:t>Click to edit Master text styles</a:t>
+            </a:r>
+          </a:p>
+          <a:p>
+            <a:pPr lvl="1"/>
+            <a:r>
+              <a:rPr lang="en-US" smtClean="0"/>
+              <a:t>Second level</a:t>
+            </a:r>
+          </a:p>
+          <a:p>
+            <a:pPr lvl="2"/>
+            <a:r>
+              <a:rPr lang="en-US" smtClean="0"/>
+              <a:t>Third level</a:t>
+            </a:r>
+          </a:p>
+          <a:p>
+            <a:pPr lvl="3"/>
+            <a:r>
+              <a:rPr lang="en-US" smtClean="0"/>
+              <a:t>Fourth level</a:t>
+            </a:r>
+          </a:p>
+          <a:p>
+            <a:pPr lvl="4"/>
+            <a:r>
+              <a:rPr lang="en-US" smtClean="0"/>
+              <a:t>Fifth level</a:t>
+            </a:r>
+            <a:endParaRPr lang="en-US" dirty="0"/>
+          </a:p>
+        </p:txBody>
+      </p:sp>
+      <p:sp>
+        <p:nvSpPr>
+          <p:cNvPr id="5" name="Date Placeholder 4"/>
           <p:cNvSpPr>
             <a:spLocks noGrp="1"/>
           </p:cNvSpPr>
@@ -1264,12 +1343,31 @@
       </p:sp>
       <p:sp>
         <p:nvSpPr>
-          <p:cNvPr id="9" name="Slide Number Placeholder 8"/>
-          <p:cNvSpPr>
-            <a:spLocks noGrp="1"/>
-          </p:cNvSpPr>
-          <p:nvPr>
-            <p:ph type="sldNum" sz="quarter" idx="11"/>
+          <p:cNvPr id="6" name="Footer Placeholder 5"/>
+          <p:cNvSpPr>
+            <a:spLocks noGrp="1"/>
+          </p:cNvSpPr>
+          <p:nvPr>
+            <p:ph type="ftr" sz="quarter" idx="11"/>
+          </p:nvPr>
+        </p:nvSpPr>
+        <p:spPr/>
+        <p:txBody>
+          <a:bodyPr/>
+          <a:lstStyle/>
+          <a:p>
+            <a:endParaRPr lang="en-US"/>
+          </a:p>
+        </p:txBody>
+      </p:sp>
+      <p:sp>
+        <p:nvSpPr>
+          <p:cNvPr id="7" name="Slide Number Placeholder 6"/>
+          <p:cNvSpPr>
+            <a:spLocks noGrp="1"/>
+          </p:cNvSpPr>
+          <p:nvPr>
+            <p:ph type="sldNum" sz="quarter" idx="12"/>
           </p:nvPr>
         </p:nvSpPr>
         <p:spPr/>
@@ -1281,162 +1379,6 @@
               <a:rPr lang="en-US" smtClean="0"/>
               <a:t>‹#›</a:t>
             </a:fld>
-            <a:endParaRPr lang="en-US"/>
-          </a:p>
-        </p:txBody>
-      </p:sp>
-      <p:sp>
-        <p:nvSpPr>
-          <p:cNvPr id="10" name="Footer Placeholder 9"/>
-          <p:cNvSpPr>
-            <a:spLocks noGrp="1"/>
-          </p:cNvSpPr>
-          <p:nvPr>
-            <p:ph type="ftr" sz="quarter" idx="12"/>
-          </p:nvPr>
-        </p:nvSpPr>
-        <p:spPr/>
-        <p:txBody>
-          <a:bodyPr/>
-          <a:lstStyle/>
-          <a:p>
-            <a:endParaRPr lang="en-US"/>
-          </a:p>
-        </p:txBody>
-      </p:sp>
-      <p:sp>
-        <p:nvSpPr>
-          <p:cNvPr id="11" name="Title 10"/>
-          <p:cNvSpPr>
-            <a:spLocks noGrp="1"/>
-          </p:cNvSpPr>
-          <p:nvPr>
-            <p:ph type="title"/>
-          </p:nvPr>
-        </p:nvSpPr>
-        <p:spPr/>
-        <p:txBody>
-          <a:bodyPr/>
-          <a:lstStyle/>
-          <a:p>
-            <a:r>
-              <a:rPr lang="en-US" smtClean="0"/>
-              <a:t>Click to edit Master title style</a:t>
-            </a:r>
-            <a:endParaRPr lang="en-US" dirty="0"/>
-          </a:p>
-        </p:txBody>
-      </p:sp>
-      <p:sp>
-        <p:nvSpPr>
-          <p:cNvPr id="5" name="Content Placeholder 4"/>
-          <p:cNvSpPr>
-            <a:spLocks noGrp="1"/>
-          </p:cNvSpPr>
-          <p:nvPr>
-            <p:ph sz="quarter" idx="13"/>
-          </p:nvPr>
-        </p:nvSpPr>
-        <p:spPr>
-          <a:xfrm>
-            <a:off x="1344168" y="658368"/>
-            <a:ext cx="3273552" cy="3429000"/>
-          </a:xfrm>
-        </p:spPr>
-        <p:txBody>
-          <a:bodyPr/>
-          <a:lstStyle/>
-          <a:p>
-            <a:pPr lvl="0"/>
-            <a:r>
-              <a:rPr lang="en-US" smtClean="0"/>
-              <a:t>Click to edit Master text styles</a:t>
-            </a:r>
-          </a:p>
-          <a:p>
-            <a:pPr lvl="1"/>
-            <a:r>
-              <a:rPr lang="en-US" smtClean="0"/>
-              <a:t>Second level</a:t>
-            </a:r>
-          </a:p>
-          <a:p>
-            <a:pPr lvl="2"/>
-            <a:r>
-              <a:rPr lang="en-US" smtClean="0"/>
-              <a:t>Third level</a:t>
-            </a:r>
-          </a:p>
-          <a:p>
-            <a:pPr lvl="3"/>
-            <a:r>
-              <a:rPr lang="en-US" smtClean="0"/>
-              <a:t>Fourth level</a:t>
-            </a:r>
-          </a:p>
-          <a:p>
-            <a:pPr lvl="4"/>
-            <a:r>
-              <a:rPr lang="en-US" smtClean="0"/>
-              <a:t>Fifth level</a:t>
-            </a:r>
-            <a:endParaRPr lang="en-US" dirty="0"/>
-          </a:p>
-        </p:txBody>
-      </p:sp>
-      <p:sp>
-        <p:nvSpPr>
-          <p:cNvPr id="7" name="Content Placeholder 6"/>
-          <p:cNvSpPr>
-            <a:spLocks noGrp="1"/>
-          </p:cNvSpPr>
-          <p:nvPr>
-            <p:ph sz="quarter" idx="14"/>
-          </p:nvPr>
-        </p:nvSpPr>
-        <p:spPr>
-          <a:xfrm>
-            <a:off x="5029200" y="658368"/>
-            <a:ext cx="3273552" cy="3432175"/>
-          </a:xfrm>
-        </p:spPr>
-        <p:txBody>
-          <a:bodyPr/>
-          <a:lstStyle/>
-          <a:p>
-            <a:pPr lvl="0"/>
-            <a:r>
-              <a:rPr lang="en-US" smtClean="0"/>
-              <a:t>Click to edit Master text styles</a:t>
-            </a:r>
-          </a:p>
-          <a:p>
-            <a:pPr lvl="1"/>
-            <a:r>
-              <a:rPr lang="en-US" smtClean="0"/>
-              <a:t>Second level</a:t>
-            </a:r>
-          </a:p>
-          <a:p>
-            <a:pPr lvl="2"/>
-            <a:r>
-              <a:rPr lang="en-US" smtClean="0"/>
-              <a:t>Third level</a:t>
-            </a:r>
-          </a:p>
-          <a:p>
-            <a:pPr lvl="3"/>
-            <a:r>
-              <a:rPr lang="en-US" smtClean="0"/>
-              <a:t>Fourth level</a:t>
-            </a:r>
-          </a:p>
-          <a:p>
-            <a:pPr lvl="4"/>
-            <a:r>
-              <a:rPr lang="en-US" smtClean="0"/>
-              <a:t>Fifth level</a:t>
-            </a:r>
             <a:endParaRPr lang="en-US"/>
           </a:p>
         </p:txBody>
@@ -1468,6 +1410,33 @@
       </p:grpSpPr>
       <p:sp>
         <p:nvSpPr>
+          <p:cNvPr id="2" name="Title 1"/>
+          <p:cNvSpPr>
+            <a:spLocks noGrp="1"/>
+          </p:cNvSpPr>
+          <p:nvPr>
+            <p:ph type="title"/>
+          </p:nvPr>
+        </p:nvSpPr>
+        <p:spPr/>
+        <p:txBody>
+          <a:bodyPr/>
+          <a:lstStyle>
+            <a:lvl1pPr>
+              <a:defRPr/>
+            </a:lvl1pPr>
+          </a:lstStyle>
+          <a:p>
+            <a:r>
+              <a:rPr lang="en-US" smtClean="0"/>
+              <a:t>Click to edit Master title style</a:t>
+            </a:r>
+            <a:endParaRPr lang="en-US"/>
+          </a:p>
+        </p:txBody>
+      </p:sp>
+      <p:sp>
+        <p:nvSpPr>
           <p:cNvPr id="3" name="Text Placeholder 2"/>
           <p:cNvSpPr>
             <a:spLocks noGrp="1"/>
@@ -1478,18 +1447,22 @@
         </p:nvSpPr>
         <p:spPr>
           <a:xfrm>
-            <a:off x="1341120" y="661976"/>
-            <a:ext cx="3273552" cy="639762"/>
+            <a:off x="457200" y="1535113"/>
+            <a:ext cx="3657600" cy="639762"/>
           </a:xfrm>
         </p:spPr>
         <p:txBody>
-          <a:bodyPr anchor="ctr">
+          <a:bodyPr anchor="b">
             <a:noAutofit/>
           </a:bodyPr>
           <a:lstStyle>
-            <a:lvl1pPr marL="0" indent="0">
-              <a:buNone/>
-              <a:defRPr sz="2200" b="0"/>
+            <a:lvl1pPr marL="0" indent="0" algn="ctr">
+              <a:buNone/>
+              <a:defRPr sz="2000" b="1">
+                <a:solidFill>
+                  <a:schemeClr val="tx2"/>
+                </a:solidFill>
+              </a:defRPr>
             </a:lvl1pPr>
             <a:lvl2pPr marL="457200" indent="0">
               <a:buNone/>
@@ -1545,12 +1518,12 @@
         </p:nvSpPr>
         <p:spPr>
           <a:xfrm>
-            <a:off x="1344168" y="1371600"/>
-            <a:ext cx="3276600" cy="2743200"/>
+            <a:off x="457200" y="2174875"/>
+            <a:ext cx="3657600" cy="3951288"/>
           </a:xfrm>
         </p:spPr>
         <p:txBody>
-          <a:bodyPr anchor="t"/>
+          <a:bodyPr/>
           <a:lstStyle>
             <a:lvl1pPr>
               <a:defRPr sz="2400"/>
@@ -1630,18 +1603,22 @@
         </p:nvSpPr>
         <p:spPr>
           <a:xfrm>
-            <a:off x="5029200" y="661976"/>
-            <a:ext cx="3273552" cy="639762"/>
+            <a:off x="4419600" y="1535113"/>
+            <a:ext cx="3657600" cy="639762"/>
           </a:xfrm>
         </p:spPr>
         <p:txBody>
-          <a:bodyPr anchor="ctr">
+          <a:bodyPr anchor="b">
             <a:noAutofit/>
           </a:bodyPr>
           <a:lstStyle>
-            <a:lvl1pPr marL="0" indent="0">
-              <a:buNone/>
-              <a:defRPr sz="2200" b="0"/>
+            <a:lvl1pPr marL="0" indent="0" algn="ctr">
+              <a:buNone/>
+              <a:defRPr sz="2000" b="1">
+                <a:solidFill>
+                  <a:schemeClr val="tx2"/>
+                </a:solidFill>
+              </a:defRPr>
             </a:lvl1pPr>
             <a:lvl2pPr marL="457200" indent="0">
               <a:buNone/>
@@ -1697,12 +1674,12 @@
         </p:nvSpPr>
         <p:spPr>
           <a:xfrm>
-            <a:off x="5029200" y="1371600"/>
-            <a:ext cx="3273552" cy="2743200"/>
+            <a:off x="4419600" y="2174875"/>
+            <a:ext cx="3657600" cy="3951288"/>
           </a:xfrm>
         </p:spPr>
         <p:txBody>
-          <a:bodyPr anchor="t"/>
+          <a:bodyPr/>
           <a:lstStyle>
             <a:lvl1pPr>
               <a:defRPr sz="2400"/>
@@ -1766,132 +1743,13 @@
               <a:rPr lang="en-US" smtClean="0"/>
               <a:t>Fifth level</a:t>
             </a:r>
-            <a:endParaRPr lang="en-US" dirty="0"/>
-          </a:p>
-        </p:txBody>
-      </p:sp>
-      <p:sp>
-        <p:nvSpPr>
-          <p:cNvPr id="13" name="TextBox 12"/>
-          <p:cNvSpPr txBox="1"/>
-          <p:nvPr/>
-        </p:nvSpPr>
-        <p:spPr>
-          <a:xfrm>
-            <a:off x="1056640" y="520192"/>
-            <a:ext cx="457200" cy="923330"/>
-          </a:xfrm>
-          <a:prstGeom prst="rect">
-            <a:avLst/>
-          </a:prstGeom>
-          <a:noFill/>
-        </p:spPr>
-        <p:txBody>
-          <a:bodyPr wrap="square" lIns="0" tIns="0" rIns="0" bIns="0" rtlCol="0" anchor="t" anchorCtr="0">
-            <a:spAutoFit/>
-          </a:bodyPr>
-          <a:lstStyle/>
-          <a:p>
-            <a:r>
-              <a:rPr lang="en-US" sz="6000" dirty="0" smtClean="0">
-                <a:effectLst>
-                  <a:outerShdw blurRad="38100" dist="38100" dir="2700000" algn="tl">
-                    <a:srgbClr val="000000">
-                      <a:alpha val="43137"/>
-                    </a:srgbClr>
-                  </a:outerShdw>
-                </a:effectLst>
-                <a:latin typeface="+mn-lt"/>
-              </a:rPr>
-              <a:t>{</a:t>
-            </a:r>
-            <a:endParaRPr lang="en-US" sz="6000" dirty="0">
-              <a:effectLst>
-                <a:outerShdw blurRad="38100" dist="38100" dir="2700000" algn="tl">
-                  <a:srgbClr val="000000">
-                    <a:alpha val="43137"/>
-                  </a:srgbClr>
-                </a:outerShdw>
-              </a:effectLst>
-              <a:latin typeface="+mn-lt"/>
-            </a:endParaRPr>
-          </a:p>
-        </p:txBody>
-      </p:sp>
-      <p:sp>
-        <p:nvSpPr>
-          <p:cNvPr id="18" name="TextBox 17"/>
-          <p:cNvSpPr txBox="1"/>
-          <p:nvPr/>
-        </p:nvSpPr>
-        <p:spPr>
-          <a:xfrm>
-            <a:off x="4780280" y="520192"/>
-            <a:ext cx="457200" cy="923330"/>
-          </a:xfrm>
-          <a:prstGeom prst="rect">
-            <a:avLst/>
-          </a:prstGeom>
-          <a:noFill/>
-        </p:spPr>
-        <p:txBody>
-          <a:bodyPr wrap="square" lIns="0" tIns="0" rIns="0" bIns="0" rtlCol="0" anchor="t" anchorCtr="0">
-            <a:spAutoFit/>
-          </a:bodyPr>
-          <a:lstStyle/>
-          <a:p>
-            <a:r>
-              <a:rPr lang="en-US" sz="6000" dirty="0" smtClean="0">
-                <a:effectLst>
-                  <a:outerShdw blurRad="38100" dist="38100" dir="2700000" algn="tl">
-                    <a:srgbClr val="000000">
-                      <a:alpha val="43137"/>
-                    </a:srgbClr>
-                  </a:outerShdw>
-                </a:effectLst>
-                <a:latin typeface="+mn-lt"/>
-              </a:rPr>
-              <a:t>{</a:t>
-            </a:r>
-            <a:endParaRPr lang="en-US" sz="6000" dirty="0">
-              <a:effectLst>
-                <a:outerShdw blurRad="38100" dist="38100" dir="2700000" algn="tl">
-                  <a:srgbClr val="000000">
-                    <a:alpha val="43137"/>
-                  </a:srgbClr>
-                </a:outerShdw>
-              </a:effectLst>
-              <a:latin typeface="+mn-lt"/>
-            </a:endParaRPr>
-          </a:p>
-        </p:txBody>
-      </p:sp>
-      <p:sp>
-        <p:nvSpPr>
-          <p:cNvPr id="12" name="Title 11"/>
-          <p:cNvSpPr>
-            <a:spLocks noGrp="1"/>
-          </p:cNvSpPr>
-          <p:nvPr>
-            <p:ph type="title"/>
-          </p:nvPr>
-        </p:nvSpPr>
-        <p:spPr/>
-        <p:txBody>
-          <a:bodyPr/>
-          <a:lstStyle/>
-          <a:p>
-            <a:r>
-              <a:rPr lang="en-US" smtClean="0"/>
-              <a:t>Click to edit Master title style</a:t>
-            </a:r>
-            <a:endParaRPr lang="en-US" dirty="0"/>
-          </a:p>
-        </p:txBody>
-      </p:sp>
-      <p:sp>
-        <p:nvSpPr>
-          <p:cNvPr id="14" name="Date Placeholder 13"/>
+            <a:endParaRPr lang="en-US"/>
+          </a:p>
+        </p:txBody>
+      </p:sp>
+      <p:sp>
+        <p:nvSpPr>
+          <p:cNvPr id="7" name="Date Placeholder 6"/>
           <p:cNvSpPr>
             <a:spLocks noGrp="1"/>
           </p:cNvSpPr>
@@ -1914,12 +1772,31 @@
       </p:sp>
       <p:sp>
         <p:nvSpPr>
-          <p:cNvPr id="15" name="Slide Number Placeholder 14"/>
-          <p:cNvSpPr>
-            <a:spLocks noGrp="1"/>
-          </p:cNvSpPr>
-          <p:nvPr>
-            <p:ph type="sldNum" sz="quarter" idx="11"/>
+          <p:cNvPr id="8" name="Footer Placeholder 7"/>
+          <p:cNvSpPr>
+            <a:spLocks noGrp="1"/>
+          </p:cNvSpPr>
+          <p:nvPr>
+            <p:ph type="ftr" sz="quarter" idx="11"/>
+          </p:nvPr>
+        </p:nvSpPr>
+        <p:spPr/>
+        <p:txBody>
+          <a:bodyPr/>
+          <a:lstStyle/>
+          <a:p>
+            <a:endParaRPr lang="en-US"/>
+          </a:p>
+        </p:txBody>
+      </p:sp>
+      <p:sp>
+        <p:nvSpPr>
+          <p:cNvPr id="9" name="Slide Number Placeholder 8"/>
+          <p:cNvSpPr>
+            <a:spLocks noGrp="1"/>
+          </p:cNvSpPr>
+          <p:nvPr>
+            <p:ph type="sldNum" sz="quarter" idx="12"/>
           </p:nvPr>
         </p:nvSpPr>
         <p:spPr/>
@@ -1931,25 +1808,6 @@
               <a:rPr lang="en-US" smtClean="0"/>
               <a:t>‹#›</a:t>
             </a:fld>
-            <a:endParaRPr lang="en-US"/>
-          </a:p>
-        </p:txBody>
-      </p:sp>
-      <p:sp>
-        <p:nvSpPr>
-          <p:cNvPr id="16" name="Footer Placeholder 15"/>
-          <p:cNvSpPr>
-            <a:spLocks noGrp="1"/>
-          </p:cNvSpPr>
-          <p:nvPr>
-            <p:ph type="ftr" sz="quarter" idx="12"/>
-          </p:nvPr>
-        </p:nvSpPr>
-        <p:spPr/>
-        <p:txBody>
-          <a:bodyPr/>
-          <a:lstStyle/>
-          <a:p>
             <a:endParaRPr lang="en-US"/>
           </a:p>
         </p:txBody>
@@ -1981,7 +1839,7 @@
       </p:grpSpPr>
       <p:sp>
         <p:nvSpPr>
-          <p:cNvPr id="6" name="Title 5"/>
+          <p:cNvPr id="2" name="Title 1"/>
           <p:cNvSpPr>
             <a:spLocks noGrp="1"/>
           </p:cNvSpPr>
@@ -2004,7 +1862,7 @@
       </p:sp>
       <p:sp>
         <p:nvSpPr>
-          <p:cNvPr id="7" name="Date Placeholder 6"/>
+          <p:cNvPr id="3" name="Date Placeholder 2"/>
           <p:cNvSpPr>
             <a:spLocks noGrp="1"/>
           </p:cNvSpPr>
@@ -2027,12 +1885,31 @@
       </p:sp>
       <p:sp>
         <p:nvSpPr>
-          <p:cNvPr id="8" name="Slide Number Placeholder 7"/>
-          <p:cNvSpPr>
-            <a:spLocks noGrp="1"/>
-          </p:cNvSpPr>
-          <p:nvPr>
-            <p:ph type="sldNum" sz="quarter" idx="11"/>
+          <p:cNvPr id="4" name="Footer Placeholder 3"/>
+          <p:cNvSpPr>
+            <a:spLocks noGrp="1"/>
+          </p:cNvSpPr>
+          <p:nvPr>
+            <p:ph type="ftr" sz="quarter" idx="11"/>
+          </p:nvPr>
+        </p:nvSpPr>
+        <p:spPr/>
+        <p:txBody>
+          <a:bodyPr/>
+          <a:lstStyle/>
+          <a:p>
+            <a:endParaRPr lang="en-US"/>
+          </a:p>
+        </p:txBody>
+      </p:sp>
+      <p:sp>
+        <p:nvSpPr>
+          <p:cNvPr id="5" name="Slide Number Placeholder 4"/>
+          <p:cNvSpPr>
+            <a:spLocks noGrp="1"/>
+          </p:cNvSpPr>
+          <p:nvPr>
+            <p:ph type="sldNum" sz="quarter" idx="12"/>
           </p:nvPr>
         </p:nvSpPr>
         <p:spPr/>
@@ -2044,25 +1921,6 @@
               <a:rPr lang="en-US" smtClean="0"/>
               <a:t>‹#›</a:t>
             </a:fld>
-            <a:endParaRPr lang="en-US"/>
-          </a:p>
-        </p:txBody>
-      </p:sp>
-      <p:sp>
-        <p:nvSpPr>
-          <p:cNvPr id="9" name="Footer Placeholder 8"/>
-          <p:cNvSpPr>
-            <a:spLocks noGrp="1"/>
-          </p:cNvSpPr>
-          <p:nvPr>
-            <p:ph type="ftr" sz="quarter" idx="12"/>
-          </p:nvPr>
-        </p:nvSpPr>
-        <p:spPr/>
-        <p:txBody>
-          <a:bodyPr/>
-          <a:lstStyle/>
-          <a:p>
             <a:endParaRPr lang="en-US"/>
           </a:p>
         </p:txBody>
@@ -2094,7 +1952,7 @@
       </p:grpSpPr>
       <p:sp>
         <p:nvSpPr>
-          <p:cNvPr id="5" name="Date Placeholder 4"/>
+          <p:cNvPr id="2" name="Date Placeholder 1"/>
           <p:cNvSpPr>
             <a:spLocks noGrp="1"/>
           </p:cNvSpPr>
@@ -2117,12 +1975,31 @@
       </p:sp>
       <p:sp>
         <p:nvSpPr>
-          <p:cNvPr id="6" name="Slide Number Placeholder 5"/>
-          <p:cNvSpPr>
-            <a:spLocks noGrp="1"/>
-          </p:cNvSpPr>
-          <p:nvPr>
-            <p:ph type="sldNum" sz="quarter" idx="11"/>
+          <p:cNvPr id="3" name="Footer Placeholder 2"/>
+          <p:cNvSpPr>
+            <a:spLocks noGrp="1"/>
+          </p:cNvSpPr>
+          <p:nvPr>
+            <p:ph type="ftr" sz="quarter" idx="11"/>
+          </p:nvPr>
+        </p:nvSpPr>
+        <p:spPr/>
+        <p:txBody>
+          <a:bodyPr/>
+          <a:lstStyle/>
+          <a:p>
+            <a:endParaRPr lang="en-US"/>
+          </a:p>
+        </p:txBody>
+      </p:sp>
+      <p:sp>
+        <p:nvSpPr>
+          <p:cNvPr id="4" name="Slide Number Placeholder 3"/>
+          <p:cNvSpPr>
+            <a:spLocks noGrp="1"/>
+          </p:cNvSpPr>
+          <p:nvPr>
+            <p:ph type="sldNum" sz="quarter" idx="12"/>
           </p:nvPr>
         </p:nvSpPr>
         <p:spPr/>
@@ -2134,25 +2011,6 @@
               <a:rPr lang="en-US" smtClean="0"/>
               <a:t>‹#›</a:t>
             </a:fld>
-            <a:endParaRPr lang="en-US"/>
-          </a:p>
-        </p:txBody>
-      </p:sp>
-      <p:sp>
-        <p:nvSpPr>
-          <p:cNvPr id="7" name="Footer Placeholder 6"/>
-          <p:cNvSpPr>
-            <a:spLocks noGrp="1"/>
-          </p:cNvSpPr>
-          <p:nvPr>
-            <p:ph type="ftr" sz="quarter" idx="12"/>
-          </p:nvPr>
-        </p:nvSpPr>
-        <p:spPr/>
-        <p:txBody>
-          <a:bodyPr/>
-          <a:lstStyle/>
-          <a:p>
             <a:endParaRPr lang="en-US"/>
           </a:p>
         </p:txBody>
@@ -2184,159 +2042,58 @@
       </p:grpSpPr>
       <p:sp>
         <p:nvSpPr>
-          <p:cNvPr id="9" name="TextBox 8"/>
-          <p:cNvSpPr txBox="1"/>
-          <p:nvPr/>
+          <p:cNvPr id="2" name="Title 1"/>
+          <p:cNvSpPr>
+            <a:spLocks noGrp="1"/>
+          </p:cNvSpPr>
+          <p:nvPr>
+            <p:ph type="title"/>
+          </p:nvPr>
         </p:nvSpPr>
         <p:spPr>
           <a:xfrm>
-            <a:off x="5328920" y="1774588"/>
-            <a:ext cx="457200" cy="1231106"/>
+            <a:off x="304801" y="5495544"/>
+            <a:ext cx="7772400" cy="594360"/>
           </a:xfrm>
-          <a:prstGeom prst="rect">
-            <a:avLst/>
-          </a:prstGeom>
-          <a:noFill/>
         </p:spPr>
         <p:txBody>
-          <a:bodyPr wrap="square" lIns="0" tIns="0" rIns="0" bIns="0" rtlCol="0" anchor="t" anchorCtr="0">
-            <a:spAutoFit/>
-          </a:bodyPr>
-          <a:lstStyle/>
-          <a:p>
-            <a:r>
-              <a:rPr lang="en-US" sz="8000" dirty="0" smtClean="0">
-                <a:effectLst>
-                  <a:outerShdw blurRad="38100" dist="38100" dir="2700000" algn="tl">
-                    <a:srgbClr val="000000">
-                      <a:alpha val="43137"/>
-                    </a:srgbClr>
-                  </a:outerShdw>
-                </a:effectLst>
-                <a:latin typeface="+mn-lt"/>
-              </a:rPr>
-              <a:t>{</a:t>
-            </a:r>
-            <a:endParaRPr lang="en-US" sz="8000" dirty="0">
-              <a:effectLst>
-                <a:outerShdw blurRad="38100" dist="38100" dir="2700000" algn="tl">
-                  <a:srgbClr val="000000">
-                    <a:alpha val="43137"/>
-                  </a:srgbClr>
-                </a:outerShdw>
-              </a:effectLst>
-              <a:latin typeface="+mn-lt"/>
-            </a:endParaRPr>
-          </a:p>
-        </p:txBody>
-      </p:sp>
-      <p:sp>
-        <p:nvSpPr>
-          <p:cNvPr id="3" name="Content Placeholder 2"/>
-          <p:cNvSpPr>
-            <a:spLocks noGrp="1"/>
-          </p:cNvSpPr>
-          <p:nvPr>
-            <p:ph idx="1"/>
+          <a:bodyPr anchor="b"/>
+          <a:lstStyle>
+            <a:lvl1pPr algn="ctr">
+              <a:defRPr sz="2200" b="1"/>
+            </a:lvl1pPr>
+          </a:lstStyle>
+          <a:p>
+            <a:r>
+              <a:rPr lang="en-US" smtClean="0"/>
+              <a:t>Click to edit Master title style</a:t>
+            </a:r>
+            <a:endParaRPr lang="en-US" dirty="0"/>
+          </a:p>
+        </p:txBody>
+      </p:sp>
+      <p:sp>
+        <p:nvSpPr>
+          <p:cNvPr id="4" name="Text Placeholder 3"/>
+          <p:cNvSpPr>
+            <a:spLocks noGrp="1"/>
+          </p:cNvSpPr>
+          <p:nvPr>
+            <p:ph type="body" sz="half" idx="2"/>
           </p:nvPr>
         </p:nvSpPr>
         <p:spPr>
           <a:xfrm>
-            <a:off x="838200" y="685801"/>
-            <a:ext cx="4343400" cy="3429000"/>
+            <a:off x="304799" y="6096000"/>
+            <a:ext cx="7772401" cy="609600"/>
           </a:xfrm>
         </p:spPr>
         <p:txBody>
-          <a:bodyPr anchor="ctr"/>
-          <a:lstStyle>
-            <a:lvl1pPr>
-              <a:defRPr sz="2400"/>
-            </a:lvl1pPr>
-            <a:lvl2pPr>
-              <a:defRPr sz="2200"/>
-            </a:lvl2pPr>
-            <a:lvl3pPr>
-              <a:defRPr sz="2000"/>
-            </a:lvl3pPr>
-            <a:lvl4pPr>
-              <a:defRPr sz="1800"/>
-            </a:lvl4pPr>
-            <a:lvl5pPr>
-              <a:defRPr sz="1800"/>
-            </a:lvl5pPr>
-            <a:lvl6pPr>
-              <a:defRPr sz="2000"/>
-            </a:lvl6pPr>
-            <a:lvl7pPr>
-              <a:defRPr sz="2000"/>
-            </a:lvl7pPr>
-            <a:lvl8pPr>
-              <a:defRPr sz="2000"/>
-            </a:lvl8pPr>
-            <a:lvl9pPr>
-              <a:defRPr sz="2000"/>
-            </a:lvl9pPr>
-          </a:lstStyle>
-          <a:p>
-            <a:pPr lvl="0"/>
-            <a:r>
-              <a:rPr lang="en-US" smtClean="0"/>
-              <a:t>Click to edit Master text styles</a:t>
-            </a:r>
-          </a:p>
-          <a:p>
-            <a:pPr lvl="1"/>
-            <a:r>
-              <a:rPr lang="en-US" smtClean="0"/>
-              <a:t>Second level</a:t>
-            </a:r>
-          </a:p>
-          <a:p>
-            <a:pPr lvl="2"/>
-            <a:r>
-              <a:rPr lang="en-US" smtClean="0"/>
-              <a:t>Third level</a:t>
-            </a:r>
-          </a:p>
-          <a:p>
-            <a:pPr lvl="3"/>
-            <a:r>
-              <a:rPr lang="en-US" smtClean="0"/>
-              <a:t>Fourth level</a:t>
-            </a:r>
-          </a:p>
-          <a:p>
-            <a:pPr lvl="4"/>
-            <a:r>
-              <a:rPr lang="en-US" smtClean="0"/>
-              <a:t>Fifth level</a:t>
-            </a:r>
-            <a:endParaRPr lang="en-US" dirty="0"/>
-          </a:p>
-        </p:txBody>
-      </p:sp>
-      <p:sp>
-        <p:nvSpPr>
-          <p:cNvPr id="4" name="Text Placeholder 3"/>
-          <p:cNvSpPr>
-            <a:spLocks noGrp="1"/>
-          </p:cNvSpPr>
-          <p:nvPr>
-            <p:ph type="body" sz="half" idx="2"/>
-          </p:nvPr>
-        </p:nvSpPr>
-        <p:spPr>
-          <a:xfrm>
-            <a:off x="5715000" y="685801"/>
-            <a:ext cx="2590800" cy="3429000"/>
-          </a:xfrm>
-        </p:spPr>
-        <p:txBody>
-          <a:bodyPr anchor="ctr">
+          <a:bodyPr>
             <a:normAutofit/>
           </a:bodyPr>
           <a:lstStyle>
-            <a:lvl1pPr marL="0" indent="0">
+            <a:lvl1pPr marL="0" indent="0" algn="ctr">
               <a:buNone/>
               <a:defRPr sz="1600"/>
             </a:lvl1pPr>
@@ -2384,7 +2141,7 @@
       </p:sp>
       <p:sp>
         <p:nvSpPr>
-          <p:cNvPr id="15" name="Date Placeholder 14"/>
+          <p:cNvPr id="5" name="Date Placeholder 4"/>
           <p:cNvSpPr>
             <a:spLocks noGrp="1"/>
           </p:cNvSpPr>
@@ -2407,12 +2164,31 @@
       </p:sp>
       <p:sp>
         <p:nvSpPr>
-          <p:cNvPr id="16" name="Slide Number Placeholder 15"/>
-          <p:cNvSpPr>
-            <a:spLocks noGrp="1"/>
-          </p:cNvSpPr>
-          <p:nvPr>
-            <p:ph type="sldNum" sz="quarter" idx="11"/>
+          <p:cNvPr id="6" name="Footer Placeholder 5"/>
+          <p:cNvSpPr>
+            <a:spLocks noGrp="1"/>
+          </p:cNvSpPr>
+          <p:nvPr>
+            <p:ph type="ftr" sz="quarter" idx="11"/>
+          </p:nvPr>
+        </p:nvSpPr>
+        <p:spPr/>
+        <p:txBody>
+          <a:bodyPr/>
+          <a:lstStyle/>
+          <a:p>
+            <a:endParaRPr lang="en-US"/>
+          </a:p>
+        </p:txBody>
+      </p:sp>
+      <p:sp>
+        <p:nvSpPr>
+          <p:cNvPr id="7" name="Slide Number Placeholder 6"/>
+          <p:cNvSpPr>
+            <a:spLocks noGrp="1"/>
+          </p:cNvSpPr>
+          <p:nvPr>
+            <p:ph type="sldNum" sz="quarter" idx="12"/>
           </p:nvPr>
         </p:nvSpPr>
         <p:spPr/>
@@ -2430,43 +2206,58 @@
       </p:sp>
       <p:sp>
         <p:nvSpPr>
-          <p:cNvPr id="17" name="Footer Placeholder 16"/>
-          <p:cNvSpPr>
-            <a:spLocks noGrp="1"/>
-          </p:cNvSpPr>
-          <p:nvPr>
-            <p:ph type="ftr" sz="quarter" idx="12"/>
-          </p:nvPr>
-        </p:nvSpPr>
-        <p:spPr/>
-        <p:txBody>
-          <a:bodyPr/>
-          <a:lstStyle/>
-          <a:p>
-            <a:endParaRPr lang="en-US"/>
-          </a:p>
-        </p:txBody>
-      </p:sp>
-      <p:sp>
-        <p:nvSpPr>
-          <p:cNvPr id="18" name="Title 17"/>
-          <p:cNvSpPr>
-            <a:spLocks noGrp="1"/>
-          </p:cNvSpPr>
-          <p:nvPr>
-            <p:ph type="title"/>
-          </p:nvPr>
-        </p:nvSpPr>
-        <p:spPr/>
-        <p:txBody>
-          <a:bodyPr/>
-          <a:lstStyle/>
-          <a:p>
-            <a:r>
-              <a:rPr lang="en-US" smtClean="0"/>
-              <a:t>Click to edit Master title style</a:t>
-            </a:r>
-            <a:endParaRPr lang="en-US" dirty="0"/>
+          <p:cNvPr id="9" name="Content Placeholder 8"/>
+          <p:cNvSpPr>
+            <a:spLocks noGrp="1"/>
+          </p:cNvSpPr>
+          <p:nvPr>
+            <p:ph sz="quarter" idx="13"/>
+          </p:nvPr>
+        </p:nvSpPr>
+        <p:spPr>
+          <a:xfrm>
+            <a:off x="304800" y="381000"/>
+            <a:ext cx="7772400" cy="4942840"/>
+          </a:xfrm>
+        </p:spPr>
+        <p:txBody>
+          <a:bodyPr/>
+          <a:lstStyle/>
+          <a:p>
+            <a:pPr lvl="0"/>
+            <a:r>
+              <a:rPr lang="en-US" smtClean="0"/>
+              <a:t>Click to edit Master text styles</a:t>
+            </a:r>
+          </a:p>
+          <a:p>
+            <a:pPr lvl="1"/>
+            <a:r>
+              <a:rPr lang="en-US" smtClean="0"/>
+              <a:t>Second level</a:t>
+            </a:r>
+          </a:p>
+          <a:p>
+            <a:pPr lvl="2"/>
+            <a:r>
+              <a:rPr lang="en-US" smtClean="0"/>
+              <a:t>Third level</a:t>
+            </a:r>
+          </a:p>
+          <a:p>
+            <a:pPr lvl="3"/>
+            <a:r>
+              <a:rPr lang="en-US" smtClean="0"/>
+              <a:t>Fourth level</a:t>
+            </a:r>
+          </a:p>
+          <a:p>
+            <a:pPr lvl="4"/>
+            <a:r>
+              <a:rPr lang="en-US" smtClean="0"/>
+              <a:t>Fifth level</a:t>
+            </a:r>
+            <a:endParaRPr lang="en-US"/>
           </a:p>
         </p:txBody>
       </p:sp>
@@ -2497,26 +2288,58 @@
       </p:grpSpPr>
       <p:sp>
         <p:nvSpPr>
-          <p:cNvPr id="3" name="Picture Placeholder 2"/>
-          <p:cNvSpPr>
-            <a:spLocks noGrp="1"/>
-          </p:cNvSpPr>
-          <p:nvPr>
-            <p:ph type="pic" idx="1"/>
+          <p:cNvPr id="2" name="Title 1"/>
+          <p:cNvSpPr>
+            <a:spLocks noGrp="1"/>
+          </p:cNvSpPr>
+          <p:nvPr>
+            <p:ph type="title"/>
           </p:nvPr>
         </p:nvSpPr>
         <p:spPr>
           <a:xfrm>
-            <a:off x="1219200" y="612775"/>
-            <a:ext cx="6705600" cy="2546985"/>
+            <a:off x="301752" y="5495278"/>
+            <a:ext cx="7772400" cy="594626"/>
           </a:xfrm>
-          <a:effectLst>
-            <a:outerShdw blurRad="152400" dist="317500" dir="5400000" sx="90000" sy="-19000" rotWithShape="0">
-              <a:prstClr val="black">
-                <a:alpha val="15000"/>
-              </a:prstClr>
-            </a:outerShdw>
-          </a:effectLst>
+        </p:spPr>
+        <p:txBody>
+          <a:bodyPr anchor="b"/>
+          <a:lstStyle>
+            <a:lvl1pPr algn="ctr">
+              <a:defRPr sz="2200" b="1">
+                <a:ln>
+                  <a:noFill/>
+                </a:ln>
+                <a:solidFill>
+                  <a:schemeClr val="tx2"/>
+                </a:solidFill>
+              </a:defRPr>
+            </a:lvl1pPr>
+          </a:lstStyle>
+          <a:p>
+            <a:r>
+              <a:rPr lang="en-US" smtClean="0"/>
+              <a:t>Click to edit Master title style</a:t>
+            </a:r>
+            <a:endParaRPr lang="en-US" dirty="0"/>
+          </a:p>
+        </p:txBody>
+      </p:sp>
+      <p:sp>
+        <p:nvSpPr>
+          <p:cNvPr id="3" name="Picture Placeholder 2"/>
+          <p:cNvSpPr>
+            <a:spLocks noGrp="1"/>
+          </p:cNvSpPr>
+          <p:nvPr>
+            <p:ph type="pic" idx="1"/>
+          </p:nvPr>
+        </p:nvSpPr>
+        <p:spPr>
+          <a:xfrm>
+            <a:off x="0" y="0"/>
+            <a:ext cx="8458200" cy="5486400"/>
+          </a:xfrm>
         </p:spPr>
         <p:txBody>
           <a:bodyPr/>
@@ -2563,7 +2386,7 @@
               <a:rPr lang="en-US" smtClean="0"/>
               <a:t>Click icon to add picture</a:t>
             </a:r>
-            <a:endParaRPr lang="en-US"/>
+            <a:endParaRPr lang="en-US" dirty="0"/>
           </a:p>
         </p:txBody>
       </p:sp>
@@ -2579,16 +2402,16 @@
         </p:nvSpPr>
         <p:spPr>
           <a:xfrm>
-            <a:off x="2743200" y="3453047"/>
-            <a:ext cx="5029200" cy="720804"/>
+            <a:off x="301752" y="6096000"/>
+            <a:ext cx="7772400" cy="612648"/>
           </a:xfrm>
         </p:spPr>
         <p:txBody>
-          <a:bodyPr anchor="ctr">
+          <a:bodyPr>
             <a:normAutofit/>
           </a:bodyPr>
           <a:lstStyle>
-            <a:lvl1pPr marL="0" indent="0">
+            <a:lvl1pPr marL="0" indent="0" algn="ctr">
               <a:buNone/>
               <a:defRPr sz="1600"/>
             </a:lvl1pPr>
@@ -2636,78 +2459,7 @@
       </p:sp>
       <p:sp>
         <p:nvSpPr>
-          <p:cNvPr id="9" name="TextBox 8"/>
-          <p:cNvSpPr txBox="1"/>
-          <p:nvPr/>
-        </p:nvSpPr>
-        <p:spPr>
-          <a:xfrm>
-            <a:off x="2435352" y="3331464"/>
-            <a:ext cx="457200" cy="923330"/>
-          </a:xfrm>
-          <a:prstGeom prst="rect">
-            <a:avLst/>
-          </a:prstGeom>
-          <a:noFill/>
-        </p:spPr>
-        <p:txBody>
-          <a:bodyPr wrap="square" lIns="0" tIns="0" rIns="0" bIns="0" rtlCol="0" anchor="t" anchorCtr="0">
-            <a:spAutoFit/>
-          </a:bodyPr>
-          <a:lstStyle/>
-          <a:p>
-            <a:r>
-              <a:rPr lang="en-US" sz="6000" dirty="0" smtClean="0">
-                <a:effectLst>
-                  <a:outerShdw blurRad="38100" dist="38100" dir="2700000" algn="tl">
-                    <a:srgbClr val="000000">
-                      <a:alpha val="43137"/>
-                    </a:srgbClr>
-                  </a:outerShdw>
-                </a:effectLst>
-                <a:latin typeface="+mn-lt"/>
-              </a:rPr>
-              <a:t>{</a:t>
-            </a:r>
-            <a:endParaRPr lang="en-US" sz="6000" dirty="0">
-              <a:effectLst>
-                <a:outerShdw blurRad="38100" dist="38100" dir="2700000" algn="tl">
-                  <a:srgbClr val="000000">
-                    <a:alpha val="43137"/>
-                  </a:srgbClr>
-                </a:outerShdw>
-              </a:effectLst>
-              <a:latin typeface="+mn-lt"/>
-            </a:endParaRPr>
-          </a:p>
-        </p:txBody>
-      </p:sp>
-      <p:sp>
-        <p:nvSpPr>
-          <p:cNvPr id="11" name="Title 10"/>
-          <p:cNvSpPr>
-            <a:spLocks noGrp="1"/>
-          </p:cNvSpPr>
-          <p:nvPr>
-            <p:ph type="title"/>
-          </p:nvPr>
-        </p:nvSpPr>
-        <p:spPr/>
-        <p:txBody>
-          <a:bodyPr/>
-          <a:lstStyle/>
-          <a:p>
-            <a:r>
-              <a:rPr lang="en-US" smtClean="0"/>
-              <a:t>Click to edit Master title style</a:t>
-            </a:r>
-            <a:endParaRPr lang="en-US"/>
-          </a:p>
-        </p:txBody>
-      </p:sp>
-      <p:sp>
-        <p:nvSpPr>
-          <p:cNvPr id="13" name="Date Placeholder 12"/>
+          <p:cNvPr id="8" name="Date Placeholder 7"/>
           <p:cNvSpPr>
             <a:spLocks noGrp="1"/>
           </p:cNvSpPr>
@@ -2730,7 +2482,7 @@
       </p:sp>
       <p:sp>
         <p:nvSpPr>
-          <p:cNvPr id="14" name="Slide Number Placeholder 13"/>
+          <p:cNvPr id="9" name="Slide Number Placeholder 8"/>
           <p:cNvSpPr>
             <a:spLocks noGrp="1"/>
           </p:cNvSpPr>
@@ -2753,7 +2505,7 @@
       </p:sp>
       <p:sp>
         <p:nvSpPr>
-          <p:cNvPr id="15" name="Footer Placeholder 14"/>
+          <p:cNvPr id="10" name="Footer Placeholder 9"/>
           <p:cNvSpPr>
             <a:spLocks noGrp="1"/>
           </p:cNvSpPr>
@@ -2782,8 +2534,8 @@
 <p:sldMaster xmlns:a="http://schemas.openxmlformats.org/drawingml/2006/main" xmlns:r="http://schemas.openxmlformats.org/officeDocument/2006/relationships" xmlns:p="http://schemas.openxmlformats.org/presentationml/2006/main">
   <p:cSld>
     <p:bg>
-      <p:bgRef idx="1003">
-        <a:schemeClr val="bg2"/>
+      <p:bgRef idx="1002">
+        <a:schemeClr val="bg1"/>
       </p:bgRef>
     </p:bg>
     <p:spTree>
@@ -2802,34 +2554,116 @@
       </p:grpSpPr>
       <p:sp>
         <p:nvSpPr>
-          <p:cNvPr id="7" name="Rectangle 6"/>
-          <p:cNvSpPr/>
-          <p:nvPr/>
+          <p:cNvPr id="2" name="Title Placeholder 1"/>
+          <p:cNvSpPr>
+            <a:spLocks noGrp="1"/>
+          </p:cNvSpPr>
+          <p:nvPr>
+            <p:ph type="title"/>
+          </p:nvPr>
         </p:nvSpPr>
         <p:spPr>
           <a:xfrm>
-            <a:off x="0" y="0"/>
-            <a:ext cx="9144000" cy="6858000"/>
+            <a:off x="457200" y="274638"/>
+            <a:ext cx="7620000" cy="1143000"/>
           </a:xfrm>
           <a:prstGeom prst="rect">
             <a:avLst/>
           </a:prstGeom>
-          <a:gradFill>
-            <a:gsLst>
-              <a:gs pos="0">
-                <a:schemeClr val="accent6">
-                  <a:lumMod val="50000"/>
-                  <a:alpha val="36000"/>
-                </a:schemeClr>
-              </a:gs>
-              <a:gs pos="100000">
-                <a:schemeClr val="bg2">
-                  <a:alpha val="10000"/>
-                </a:schemeClr>
-              </a:gs>
-            </a:gsLst>
-            <a:lin ang="5400000" scaled="0"/>
-          </a:gradFill>
+        </p:spPr>
+        <p:txBody>
+          <a:bodyPr vert="horz" lIns="91440" tIns="45720" rIns="91440" bIns="45720" rtlCol="0" anchor="ctr">
+            <a:noAutofit/>
+          </a:bodyPr>
+          <a:lstStyle/>
+          <a:p>
+            <a:r>
+              <a:rPr lang="en-US" smtClean="0"/>
+              <a:t>Click to edit Master title style</a:t>
+            </a:r>
+            <a:endParaRPr lang="en-US" dirty="0"/>
+          </a:p>
+        </p:txBody>
+      </p:sp>
+      <p:sp>
+        <p:nvSpPr>
+          <p:cNvPr id="3" name="Text Placeholder 2"/>
+          <p:cNvSpPr>
+            <a:spLocks noGrp="1"/>
+          </p:cNvSpPr>
+          <p:nvPr>
+            <p:ph type="body" idx="1"/>
+          </p:nvPr>
+        </p:nvSpPr>
+        <p:spPr>
+          <a:xfrm>
+            <a:off x="457200" y="1600200"/>
+            <a:ext cx="7620000" cy="4800600"/>
+          </a:xfrm>
+          <a:prstGeom prst="rect">
+            <a:avLst/>
+          </a:prstGeom>
+        </p:spPr>
+        <p:txBody>
+          <a:bodyPr vert="horz" lIns="91440" tIns="45720" rIns="91440" bIns="45720" rtlCol="0">
+            <a:normAutofit/>
+          </a:bodyPr>
+          <a:lstStyle/>
+          <a:p>
+            <a:pPr lvl="0"/>
+            <a:r>
+              <a:rPr lang="en-US" smtClean="0"/>
+              <a:t>Click to edit Master text styles</a:t>
+            </a:r>
+          </a:p>
+          <a:p>
+            <a:pPr lvl="1"/>
+            <a:r>
+              <a:rPr lang="en-US" smtClean="0"/>
+              <a:t>Second level</a:t>
+            </a:r>
+          </a:p>
+          <a:p>
+            <a:pPr lvl="2"/>
+            <a:r>
+              <a:rPr lang="en-US" smtClean="0"/>
+              <a:t>Third level</a:t>
+            </a:r>
+          </a:p>
+          <a:p>
+            <a:pPr lvl="3"/>
+            <a:r>
+              <a:rPr lang="en-US" smtClean="0"/>
+              <a:t>Fourth level</a:t>
+            </a:r>
+          </a:p>
+          <a:p>
+            <a:pPr lvl="4"/>
+            <a:r>
+              <a:rPr lang="en-US" smtClean="0"/>
+              <a:t>Fifth level</a:t>
+            </a:r>
+            <a:endParaRPr lang="en-US" dirty="0"/>
+          </a:p>
+        </p:txBody>
+      </p:sp>
+      <p:sp>
+        <p:nvSpPr>
+          <p:cNvPr id="7" name="Rectangle 6"/>
+          <p:cNvSpPr/>
+          <p:nvPr/>
+        </p:nvSpPr>
+        <p:spPr>
+          <a:xfrm>
+            <a:off x="8458200" y="0"/>
+            <a:ext cx="685800" cy="6858000"/>
+          </a:xfrm>
+          <a:prstGeom prst="rect">
+            <a:avLst/>
+          </a:prstGeom>
+          <a:solidFill>
+            <a:schemeClr val="tx2"/>
+          </a:solidFill>
           <a:ln>
             <a:noFill/>
           </a:ln>
@@ -2861,38 +2695,21 @@
       </p:sp>
       <p:sp>
         <p:nvSpPr>
-          <p:cNvPr id="8" name="Oval 7"/>
+          <p:cNvPr id="8" name="Rectangle 7"/>
           <p:cNvSpPr/>
           <p:nvPr/>
         </p:nvSpPr>
         <p:spPr>
-          <a:xfrm rot="19724275">
-            <a:off x="1373221" y="1038440"/>
-            <a:ext cx="7240620" cy="5706987"/>
+          <a:xfrm>
+            <a:off x="8458200" y="5486400"/>
+            <a:ext cx="685800" cy="685800"/>
           </a:xfrm>
-          <a:prstGeom prst="ellipse">
+          <a:prstGeom prst="rect">
             <a:avLst/>
           </a:prstGeom>
-          <a:gradFill flip="none" rotWithShape="1">
-            <a:gsLst>
-              <a:gs pos="0">
-                <a:schemeClr val="accent6">
-                  <a:lumMod val="60000"/>
-                  <a:lumOff val="40000"/>
-                  <a:alpha val="7000"/>
-                </a:schemeClr>
-              </a:gs>
-              <a:gs pos="58000">
-                <a:schemeClr val="bg2">
-                  <a:alpha val="0"/>
-                </a:schemeClr>
-              </a:gs>
-            </a:gsLst>
-            <a:path path="circle">
-              <a:fillToRect l="50000" t="50000" r="50000" b="50000"/>
-            </a:path>
-            <a:tileRect/>
-          </a:gradFill>
+          <a:solidFill>
+            <a:schemeClr val="accent1"/>
+          </a:solidFill>
           <a:ln>
             <a:noFill/>
           </a:ln>
@@ -2924,255 +2741,112 @@
       </p:sp>
       <p:sp>
         <p:nvSpPr>
-          <p:cNvPr id="9" name="Oval 8"/>
-          <p:cNvSpPr/>
-          <p:nvPr/>
+          <p:cNvPr id="6" name="Slide Number Placeholder 5"/>
+          <p:cNvSpPr>
+            <a:spLocks noGrp="1"/>
+          </p:cNvSpPr>
+          <p:nvPr>
+            <p:ph type="sldNum" sz="quarter" idx="4"/>
+          </p:nvPr>
         </p:nvSpPr>
         <p:spPr>
-          <a:xfrm rot="17656910">
-            <a:off x="-274211" y="1165875"/>
-            <a:ext cx="5538472" cy="4480459"/>
+          <a:xfrm>
+            <a:off x="8531788" y="5648960"/>
+            <a:ext cx="548640" cy="396240"/>
           </a:xfrm>
-          <a:prstGeom prst="ellipse">
-            <a:avLst/>
+          <a:prstGeom prst="bracketPair">
+            <a:avLst>
+              <a:gd name="adj" fmla="val 17949"/>
+            </a:avLst>
           </a:prstGeom>
-          <a:gradFill flip="none" rotWithShape="1">
-            <a:gsLst>
-              <a:gs pos="0">
-                <a:schemeClr val="accent6">
-                  <a:lumMod val="60000"/>
-                  <a:lumOff val="40000"/>
-                  <a:alpha val="8000"/>
-                </a:schemeClr>
-              </a:gs>
-              <a:gs pos="58000">
-                <a:schemeClr val="bg2">
-                  <a:alpha val="0"/>
-                </a:schemeClr>
-              </a:gs>
-            </a:gsLst>
-            <a:path path="circle">
-              <a:fillToRect l="50000" t="50000" r="50000" b="50000"/>
-            </a:path>
-            <a:tileRect/>
-          </a:gradFill>
-          <a:ln>
-            <a:noFill/>
+          <a:ln w="19050">
+            <a:solidFill>
+              <a:srgbClr val="FFFFFF"/>
+            </a:solidFill>
           </a:ln>
         </p:spPr>
-        <p:style>
-          <a:lnRef idx="2">
-            <a:schemeClr val="accent1">
-              <a:shade val="50000"/>
-            </a:schemeClr>
-          </a:lnRef>
-          <a:fillRef idx="1">
-            <a:schemeClr val="accent1"/>
-          </a:fillRef>
-          <a:effectRef idx="0">
-            <a:schemeClr val="accent1"/>
-          </a:effectRef>
-          <a:fontRef idx="minor">
-            <a:schemeClr val="lt1"/>
-          </a:fontRef>
-        </p:style>
-        <p:txBody>
-          <a:bodyPr rtlCol="0" anchor="ctr"/>
-          <a:lstStyle/>
-          <a:p>
-            <a:pPr algn="ctr"/>
-            <a:endParaRPr lang="en-US"/>
-          </a:p>
-        </p:txBody>
-      </p:sp>
-      <p:sp>
-        <p:nvSpPr>
-          <p:cNvPr id="10" name="Oval 9"/>
-          <p:cNvSpPr/>
-          <p:nvPr/>
+        <p:txBody>
+          <a:bodyPr vert="horz" lIns="0" tIns="0" rIns="0" bIns="0" rtlCol="0" anchor="ctr"/>
+          <a:lstStyle>
+            <a:lvl1pPr algn="ctr">
+              <a:defRPr sz="1800">
+                <a:solidFill>
+                  <a:srgbClr val="FFFFFF"/>
+                </a:solidFill>
+              </a:defRPr>
+            </a:lvl1pPr>
+          </a:lstStyle>
+          <a:p>
+            <a:fld id="{146B086D-E6B9-4F8A-B8CC-7029ED77FBFC}" type="slidenum">
+              <a:rPr lang="en-US" smtClean="0"/>
+              <a:t>‹#›</a:t>
+            </a:fld>
+            <a:endParaRPr lang="en-US"/>
+          </a:p>
+        </p:txBody>
+      </p:sp>
+      <p:sp>
+        <p:nvSpPr>
+          <p:cNvPr id="5" name="Footer Placeholder 4"/>
+          <p:cNvSpPr>
+            <a:spLocks noGrp="1"/>
+          </p:cNvSpPr>
+          <p:nvPr>
+            <p:ph type="ftr" sz="quarter" idx="3"/>
+          </p:nvPr>
         </p:nvSpPr>
         <p:spPr>
-          <a:xfrm rot="19724275">
-            <a:off x="3277955" y="116854"/>
-            <a:ext cx="6479362" cy="4754757"/>
-          </a:xfrm>
-          <a:prstGeom prst="ellipse">
-            <a:avLst/>
-          </a:prstGeom>
-          <a:gradFill flip="none" rotWithShape="1">
-            <a:gsLst>
-              <a:gs pos="0">
-                <a:schemeClr val="accent6">
-                  <a:lumMod val="60000"/>
-                  <a:lumOff val="40000"/>
-                  <a:alpha val="8000"/>
-                </a:schemeClr>
-              </a:gs>
-              <a:gs pos="58000">
-                <a:schemeClr val="bg2">
-                  <a:alpha val="0"/>
-                </a:schemeClr>
-              </a:gs>
-            </a:gsLst>
-            <a:path path="circle">
-              <a:fillToRect l="50000" t="50000" r="50000" b="50000"/>
-            </a:path>
-            <a:tileRect/>
-          </a:gradFill>
-          <a:ln>
-            <a:noFill/>
-          </a:ln>
-        </p:spPr>
-        <p:style>
-          <a:lnRef idx="2">
-            <a:schemeClr val="accent1">
-              <a:shade val="50000"/>
-            </a:schemeClr>
-          </a:lnRef>
-          <a:fillRef idx="1">
-            <a:schemeClr val="accent1"/>
-          </a:fillRef>
-          <a:effectRef idx="0">
-            <a:schemeClr val="accent1"/>
-          </a:effectRef>
-          <a:fontRef idx="minor">
-            <a:schemeClr val="lt1"/>
-          </a:fontRef>
-        </p:style>
-        <p:txBody>
-          <a:bodyPr rtlCol="0" anchor="ctr"/>
-          <a:lstStyle/>
-          <a:p>
-            <a:pPr algn="ctr"/>
-            <a:endParaRPr lang="en-US"/>
-          </a:p>
-        </p:txBody>
-      </p:sp>
-      <p:sp>
-        <p:nvSpPr>
-          <p:cNvPr id="2" name="Title Placeholder 1"/>
-          <p:cNvSpPr>
-            <a:spLocks noGrp="1"/>
-          </p:cNvSpPr>
-          <p:nvPr>
-            <p:ph type="title"/>
-          </p:nvPr>
-        </p:nvSpPr>
-        <p:spPr>
-          <a:xfrm>
-            <a:off x="777240" y="4876800"/>
-            <a:ext cx="7543800" cy="914400"/>
+          <a:xfrm rot="16200000">
+            <a:off x="7586910" y="4048760"/>
+            <a:ext cx="2367281" cy="365760"/>
           </a:xfrm>
           <a:prstGeom prst="rect">
             <a:avLst/>
           </a:prstGeom>
         </p:spPr>
         <p:txBody>
-          <a:bodyPr vert="horz" lIns="91440" tIns="45720" rIns="91440" bIns="45720" rtlCol="0" anchor="b">
-            <a:noAutofit/>
-          </a:bodyPr>
-          <a:lstStyle/>
-          <a:p>
-            <a:r>
-              <a:rPr lang="en-US" smtClean="0"/>
-              <a:t>Click to edit Master title style</a:t>
-            </a:r>
-            <a:endParaRPr lang="en-US" dirty="0"/>
-          </a:p>
-        </p:txBody>
-      </p:sp>
-      <p:sp>
-        <p:nvSpPr>
-          <p:cNvPr id="3" name="Text Placeholder 2"/>
-          <p:cNvSpPr>
-            <a:spLocks noGrp="1"/>
-          </p:cNvSpPr>
-          <p:nvPr>
-            <p:ph type="body" idx="1"/>
+          <a:bodyPr vert="horz" lIns="91440" tIns="45720" rIns="91440" bIns="45720" rtlCol="0" anchor="ctr"/>
+          <a:lstStyle>
+            <a:lvl1pPr algn="r">
+              <a:defRPr sz="1200">
+                <a:solidFill>
+                  <a:schemeClr val="bg2"/>
+                </a:solidFill>
+              </a:defRPr>
+            </a:lvl1pPr>
+          </a:lstStyle>
+          <a:p>
+            <a:endParaRPr lang="en-US"/>
+          </a:p>
+        </p:txBody>
+      </p:sp>
+      <p:sp>
+        <p:nvSpPr>
+          <p:cNvPr id="4" name="Date Placeholder 3"/>
+          <p:cNvSpPr>
+            <a:spLocks noGrp="1"/>
+          </p:cNvSpPr>
+          <p:nvPr>
+            <p:ph type="dt" sz="half" idx="2"/>
           </p:nvPr>
         </p:nvSpPr>
         <p:spPr>
-          <a:xfrm>
-            <a:off x="2133600" y="685801"/>
-            <a:ext cx="6096000" cy="3657599"/>
+          <a:xfrm rot="16200000">
+            <a:off x="7551351" y="1645920"/>
+            <a:ext cx="2438399" cy="365760"/>
           </a:xfrm>
           <a:prstGeom prst="rect">
             <a:avLst/>
           </a:prstGeom>
         </p:spPr>
         <p:txBody>
-          <a:bodyPr vert="horz" lIns="91440" tIns="45720" rIns="91440" bIns="45720" rtlCol="0" anchor="ctr">
-            <a:normAutofit/>
-          </a:bodyPr>
-          <a:lstStyle/>
-          <a:p>
-            <a:pPr lvl="0"/>
-            <a:r>
-              <a:rPr lang="en-US" smtClean="0"/>
-              <a:t>Click to edit Master text styles</a:t>
-            </a:r>
-          </a:p>
-          <a:p>
-            <a:pPr lvl="1"/>
-            <a:r>
-              <a:rPr lang="en-US" smtClean="0"/>
-              <a:t>Second level</a:t>
-            </a:r>
-          </a:p>
-          <a:p>
-            <a:pPr lvl="2"/>
-            <a:r>
-              <a:rPr lang="en-US" smtClean="0"/>
-              <a:t>Third level</a:t>
-            </a:r>
-          </a:p>
-          <a:p>
-            <a:pPr lvl="3"/>
-            <a:r>
-              <a:rPr lang="en-US" smtClean="0"/>
-              <a:t>Fourth level</a:t>
-            </a:r>
-          </a:p>
-          <a:p>
-            <a:pPr lvl="4"/>
-            <a:r>
-              <a:rPr lang="en-US" smtClean="0"/>
-              <a:t>Fifth level</a:t>
-            </a:r>
-            <a:endParaRPr lang="en-US" dirty="0"/>
-          </a:p>
-        </p:txBody>
-      </p:sp>
-      <p:sp>
-        <p:nvSpPr>
-          <p:cNvPr id="4" name="Date Placeholder 3"/>
-          <p:cNvSpPr>
-            <a:spLocks noGrp="1"/>
-          </p:cNvSpPr>
-          <p:nvPr>
-            <p:ph type="dt" sz="half" idx="2"/>
-          </p:nvPr>
-        </p:nvSpPr>
-        <p:spPr>
-          <a:xfrm>
-            <a:off x="6172200" y="6154738"/>
-            <a:ext cx="2133600" cy="365125"/>
-          </a:xfrm>
-          <a:prstGeom prst="rect">
-            <a:avLst/>
-          </a:prstGeom>
-        </p:spPr>
-        <p:txBody>
-          <a:bodyPr vert="horz" lIns="91440" tIns="45720" rIns="91440" bIns="45720" rtlCol="0" anchor="t"/>
+          <a:bodyPr vert="horz" lIns="91440" tIns="45720" rIns="91440" bIns="45720" rtlCol="0" anchor="ctr"/>
           <a:lstStyle>
-            <a:lvl1pPr algn="r">
-              <a:defRPr sz="1100">
+            <a:lvl1pPr algn="l">
+              <a:defRPr sz="1200">
                 <a:solidFill>
-                  <a:schemeClr val="tx1">
-                    <a:alpha val="60000"/>
-                  </a:schemeClr>
+                  <a:schemeClr val="bg2"/>
                 </a:solidFill>
-                <a:effectLst/>
               </a:defRPr>
             </a:lvl1pPr>
           </a:lstStyle>
@@ -3185,101 +2859,21 @@
           </a:p>
         </p:txBody>
       </p:sp>
-      <p:sp>
-        <p:nvSpPr>
-          <p:cNvPr id="5" name="Footer Placeholder 4"/>
-          <p:cNvSpPr>
-            <a:spLocks noGrp="1"/>
-          </p:cNvSpPr>
-          <p:nvPr>
-            <p:ph type="ftr" sz="quarter" idx="3"/>
-          </p:nvPr>
-        </p:nvSpPr>
-        <p:spPr>
-          <a:xfrm>
-            <a:off x="822960" y="6154738"/>
-            <a:ext cx="4572000" cy="365125"/>
-          </a:xfrm>
-          <a:prstGeom prst="rect">
-            <a:avLst/>
-          </a:prstGeom>
-        </p:spPr>
-        <p:txBody>
-          <a:bodyPr vert="horz" lIns="91440" tIns="45720" rIns="91440" bIns="45720" rtlCol="0" anchor="t"/>
-          <a:lstStyle>
-            <a:lvl1pPr algn="l">
-              <a:defRPr sz="1100">
-                <a:solidFill>
-                  <a:schemeClr val="tx1">
-                    <a:alpha val="60000"/>
-                  </a:schemeClr>
-                </a:solidFill>
-                <a:effectLst/>
-              </a:defRPr>
-            </a:lvl1pPr>
-          </a:lstStyle>
-          <a:p>
-            <a:endParaRPr lang="en-US"/>
-          </a:p>
-        </p:txBody>
-      </p:sp>
-      <p:sp>
-        <p:nvSpPr>
-          <p:cNvPr id="6" name="Slide Number Placeholder 5"/>
-          <p:cNvSpPr>
-            <a:spLocks noGrp="1"/>
-          </p:cNvSpPr>
-          <p:nvPr>
-            <p:ph type="sldNum" sz="quarter" idx="4"/>
-          </p:nvPr>
-        </p:nvSpPr>
-        <p:spPr>
-          <a:xfrm>
-            <a:off x="822960" y="5842000"/>
-            <a:ext cx="2133600" cy="304800"/>
-          </a:xfrm>
-          <a:prstGeom prst="rect">
-            <a:avLst/>
-          </a:prstGeom>
-        </p:spPr>
-        <p:txBody>
-          <a:bodyPr vert="horz" lIns="91440" tIns="45720" rIns="91440" bIns="9144" rtlCol="0" anchor="b"/>
-          <a:lstStyle>
-            <a:lvl1pPr algn="l">
-              <a:defRPr sz="1600">
-                <a:solidFill>
-                  <a:schemeClr val="tx1">
-                    <a:alpha val="60000"/>
-                  </a:schemeClr>
-                </a:solidFill>
-                <a:effectLst/>
-              </a:defRPr>
-            </a:lvl1pPr>
-          </a:lstStyle>
-          <a:p>
-            <a:fld id="{146B086D-E6B9-4F8A-B8CC-7029ED77FBFC}" type="slidenum">
-              <a:rPr lang="en-US" smtClean="0"/>
-              <a:t>‹#›</a:t>
-            </a:fld>
-            <a:endParaRPr lang="en-US"/>
-          </a:p>
-        </p:txBody>
-      </p:sp>
     </p:spTree>
   </p:cSld>
-  <p:clrMap bg1="dk1" tx1="lt1" bg2="dk2" tx2="lt2" accent1="accent1" accent2="accent2" accent3="accent3" accent4="accent4" accent5="accent5" accent6="accent6" hlink="hlink" folHlink="folHlink"/>
+  <p:clrMap bg1="lt1" tx1="dk1" bg2="lt2" tx2="dk2" accent1="accent1" accent2="accent2" accent3="accent3" accent4="accent4" accent5="accent5" accent6="accent6" hlink="hlink" folHlink="folHlink"/>
   <p:sldLayoutIdLst>
-    <p:sldLayoutId id="2147483673" r:id="rId1"/>
-    <p:sldLayoutId id="2147483674" r:id="rId2"/>
-    <p:sldLayoutId id="2147483675" r:id="rId3"/>
-    <p:sldLayoutId id="2147483676" r:id="rId4"/>
-    <p:sldLayoutId id="2147483677" r:id="rId5"/>
-    <p:sldLayoutId id="2147483678" r:id="rId6"/>
-    <p:sldLayoutId id="2147483679" r:id="rId7"/>
-    <p:sldLayoutId id="2147483680" r:id="rId8"/>
-    <p:sldLayoutId id="2147483681" r:id="rId9"/>
-    <p:sldLayoutId id="2147483682" r:id="rId10"/>
-    <p:sldLayoutId id="2147483683" r:id="rId11"/>
+    <p:sldLayoutId id="2147483685" r:id="rId1"/>
+    <p:sldLayoutId id="2147483686" r:id="rId2"/>
+    <p:sldLayoutId id="2147483687" r:id="rId3"/>
+    <p:sldLayoutId id="2147483688" r:id="rId4"/>
+    <p:sldLayoutId id="2147483689" r:id="rId5"/>
+    <p:sldLayoutId id="2147483690" r:id="rId6"/>
+    <p:sldLayoutId id="2147483691" r:id="rId7"/>
+    <p:sldLayoutId id="2147483692" r:id="rId8"/>
+    <p:sldLayoutId id="2147483693" r:id="rId9"/>
+    <p:sldLayoutId id="2147483694" r:id="rId10"/>
+    <p:sldLayoutId id="2147483695" r:id="rId11"/>
   </p:sldLayoutIdLst>
   <p:txStyles>
     <p:titleStyle>
@@ -3288,285 +2882,178 @@
           <a:spcPct val="0"/>
         </a:spcBef>
         <a:buNone/>
-        <a:defRPr sz="4900" kern="1200">
+        <a:defRPr sz="4600" kern="1200" cap="none" spc="-100" baseline="0">
+          <a:ln>
+            <a:noFill/>
+          </a:ln>
           <a:solidFill>
-            <a:schemeClr val="tx1"/>
+            <a:schemeClr val="tx2"/>
           </a:solidFill>
-          <a:effectLst>
-            <a:outerShdw blurRad="38100" dist="38100" dir="2700000" algn="tl">
-              <a:srgbClr val="000000">
-                <a:alpha val="43137"/>
-              </a:srgbClr>
-            </a:outerShdw>
-          </a:effectLst>
+          <a:effectLst/>
           <a:latin typeface="+mj-lt"/>
           <a:ea typeface="+mj-ea"/>
           <a:cs typeface="+mj-cs"/>
         </a:defRPr>
       </a:lvl1pPr>
-      <a:lvl2pPr eaLnBrk="1" hangingPunct="1">
-        <a:defRPr>
-          <a:solidFill>
-            <a:schemeClr val="tx2"/>
-          </a:solidFill>
-        </a:defRPr>
-      </a:lvl2pPr>
-      <a:lvl3pPr eaLnBrk="1" hangingPunct="1">
-        <a:defRPr>
-          <a:solidFill>
-            <a:schemeClr val="tx2"/>
-          </a:solidFill>
-        </a:defRPr>
-      </a:lvl3pPr>
-      <a:lvl4pPr eaLnBrk="1" hangingPunct="1">
-        <a:defRPr>
-          <a:solidFill>
-            <a:schemeClr val="tx2"/>
-          </a:solidFill>
-        </a:defRPr>
-      </a:lvl4pPr>
-      <a:lvl5pPr eaLnBrk="1" hangingPunct="1">
-        <a:defRPr>
-          <a:solidFill>
-            <a:schemeClr val="tx2"/>
-          </a:solidFill>
-        </a:defRPr>
-      </a:lvl5pPr>
-      <a:lvl6pPr eaLnBrk="1" hangingPunct="1">
-        <a:defRPr>
-          <a:solidFill>
-            <a:schemeClr val="tx2"/>
-          </a:solidFill>
-        </a:defRPr>
-      </a:lvl6pPr>
-      <a:lvl7pPr eaLnBrk="1" hangingPunct="1">
-        <a:defRPr>
-          <a:solidFill>
-            <a:schemeClr val="tx2"/>
-          </a:solidFill>
-        </a:defRPr>
-      </a:lvl7pPr>
-      <a:lvl8pPr eaLnBrk="1" hangingPunct="1">
-        <a:defRPr>
-          <a:solidFill>
-            <a:schemeClr val="tx2"/>
-          </a:solidFill>
-        </a:defRPr>
-      </a:lvl8pPr>
-      <a:lvl9pPr eaLnBrk="1" hangingPunct="1">
-        <a:defRPr>
-          <a:solidFill>
-            <a:schemeClr val="tx2"/>
-          </a:solidFill>
-        </a:defRPr>
-      </a:lvl9pPr>
     </p:titleStyle>
     <p:bodyStyle>
-      <a:lvl1pPr marL="274320" indent="-256032" algn="l" defTabSz="914400" rtl="0" eaLnBrk="1" latinLnBrk="0" hangingPunct="1">
+      <a:lvl1pPr marL="342900" indent="-228600" algn="l" defTabSz="914400" rtl="0" eaLnBrk="1" latinLnBrk="0" hangingPunct="1">
         <a:spcBef>
           <a:spcPct val="20000"/>
         </a:spcBef>
-        <a:spcAft>
-          <a:spcPts val="0"/>
-        </a:spcAft>
-        <a:buSzPct val="60000"/>
-        <a:buFont typeface="Wingdings" pitchFamily="2" charset="2"/>
-        <a:buChar char=""/>
-        <a:defRPr sz="2100" kern="1200">
+        <a:buClr>
+          <a:schemeClr val="accent1"/>
+        </a:buClr>
+        <a:buFont typeface="Arial" pitchFamily="34" charset="0"/>
+        <a:buChar char="•"/>
+        <a:defRPr sz="2200" kern="1200">
           <a:solidFill>
             <a:schemeClr val="tx1"/>
           </a:solidFill>
-          <a:effectLst>
-            <a:outerShdw blurRad="38100" dist="38100" dir="2700000" algn="tl">
-              <a:srgbClr val="000000">
-                <a:alpha val="43137"/>
-              </a:srgbClr>
-            </a:outerShdw>
-          </a:effectLst>
           <a:latin typeface="+mn-lt"/>
           <a:ea typeface="+mn-ea"/>
           <a:cs typeface="+mn-cs"/>
         </a:defRPr>
       </a:lvl1pPr>
-      <a:lvl2pPr marL="640080" indent="-256032" algn="l" defTabSz="914400" rtl="0" eaLnBrk="1" latinLnBrk="0" hangingPunct="1">
+      <a:lvl2pPr marL="640080" indent="-228600" algn="l" defTabSz="914400" rtl="0" eaLnBrk="1" latinLnBrk="0" hangingPunct="1">
         <a:spcBef>
           <a:spcPct val="20000"/>
         </a:spcBef>
-        <a:buSzPct val="60000"/>
-        <a:buFont typeface="Wingdings" pitchFamily="2" charset="2"/>
-        <a:buChar char=""/>
-        <a:defRPr sz="1900" kern="1200">
+        <a:buClr>
+          <a:schemeClr val="accent2"/>
+        </a:buClr>
+        <a:buFont typeface="Arial" pitchFamily="34" charset="0"/>
+        <a:buChar char="•"/>
+        <a:defRPr sz="2000" kern="1200">
           <a:solidFill>
             <a:schemeClr val="tx1"/>
           </a:solidFill>
-          <a:effectLst>
-            <a:outerShdw blurRad="38100" dist="38100" dir="2700000" algn="tl">
-              <a:srgbClr val="000000">
-                <a:alpha val="43137"/>
-              </a:srgbClr>
-            </a:outerShdw>
-          </a:effectLst>
           <a:latin typeface="+mn-lt"/>
           <a:ea typeface="+mn-ea"/>
           <a:cs typeface="+mn-cs"/>
         </a:defRPr>
       </a:lvl2pPr>
-      <a:lvl3pPr marL="1005840" indent="-256032" algn="l" defTabSz="914400" rtl="0" eaLnBrk="1" latinLnBrk="0" hangingPunct="1">
+      <a:lvl3pPr marL="1005840" indent="-228600" algn="l" defTabSz="914400" rtl="0" eaLnBrk="1" latinLnBrk="0" hangingPunct="1">
         <a:spcBef>
           <a:spcPct val="20000"/>
         </a:spcBef>
-        <a:buSzPct val="60000"/>
-        <a:buFont typeface="Wingdings" pitchFamily="2" charset="2"/>
-        <a:buChar char=""/>
-        <a:defRPr sz="1700" kern="1200">
+        <a:buClr>
+          <a:schemeClr val="accent3"/>
+        </a:buClr>
+        <a:buFont typeface="Arial" pitchFamily="34" charset="0"/>
+        <a:buChar char="•"/>
+        <a:defRPr sz="1800" kern="1200">
           <a:solidFill>
             <a:schemeClr val="tx1"/>
           </a:solidFill>
-          <a:effectLst>
-            <a:outerShdw blurRad="38100" dist="38100" dir="2700000" algn="tl">
-              <a:srgbClr val="000000">
-                <a:alpha val="43137"/>
-              </a:srgbClr>
-            </a:outerShdw>
-          </a:effectLst>
           <a:latin typeface="+mn-lt"/>
           <a:ea typeface="+mn-ea"/>
           <a:cs typeface="+mn-cs"/>
         </a:defRPr>
       </a:lvl3pPr>
-      <a:lvl4pPr marL="1371600" indent="-256032" algn="l" defTabSz="914400" rtl="0" eaLnBrk="1" latinLnBrk="0" hangingPunct="1">
+      <a:lvl4pPr marL="1280160" indent="-228600" algn="l" defTabSz="914400" rtl="0" eaLnBrk="1" latinLnBrk="0" hangingPunct="1">
         <a:spcBef>
           <a:spcPct val="20000"/>
         </a:spcBef>
-        <a:buSzPct val="60000"/>
-        <a:buFont typeface="Wingdings" pitchFamily="2" charset="2"/>
-        <a:buChar char=""/>
+        <a:buClr>
+          <a:schemeClr val="accent4"/>
+        </a:buClr>
+        <a:buFont typeface="Arial" pitchFamily="34" charset="0"/>
+        <a:buChar char="•"/>
         <a:defRPr sz="1600" kern="1200">
           <a:solidFill>
             <a:schemeClr val="tx1"/>
           </a:solidFill>
-          <a:effectLst>
-            <a:outerShdw blurRad="38100" dist="38100" dir="2700000" algn="tl">
-              <a:srgbClr val="000000">
-                <a:alpha val="43137"/>
-              </a:srgbClr>
-            </a:outerShdw>
-          </a:effectLst>
           <a:latin typeface="+mn-lt"/>
           <a:ea typeface="+mn-ea"/>
           <a:cs typeface="+mn-cs"/>
         </a:defRPr>
       </a:lvl4pPr>
-      <a:lvl5pPr marL="1645920" indent="-256032" algn="l" defTabSz="914400" rtl="0" eaLnBrk="1" latinLnBrk="0" hangingPunct="1">
+      <a:lvl5pPr marL="1554480" indent="-228600" algn="l" defTabSz="914400" rtl="0" eaLnBrk="1" latinLnBrk="0" hangingPunct="1">
         <a:spcBef>
           <a:spcPct val="20000"/>
         </a:spcBef>
-        <a:buSzPct val="60000"/>
-        <a:buFont typeface="Wingdings" pitchFamily="2" charset="2"/>
-        <a:buChar char=""/>
-        <a:defRPr sz="1500" kern="1200">
+        <a:buClr>
+          <a:schemeClr val="accent5"/>
+        </a:buClr>
+        <a:buFont typeface="Arial" pitchFamily="34" charset="0"/>
+        <a:buChar char="•"/>
+        <a:defRPr sz="1400" kern="1200" baseline="0">
           <a:solidFill>
             <a:schemeClr val="tx1"/>
           </a:solidFill>
-          <a:effectLst>
-            <a:outerShdw blurRad="38100" dist="38100" dir="2700000" algn="tl">
-              <a:srgbClr val="000000">
-                <a:alpha val="43137"/>
-              </a:srgbClr>
-            </a:outerShdw>
-          </a:effectLst>
           <a:latin typeface="+mn-lt"/>
           <a:ea typeface="+mn-ea"/>
           <a:cs typeface="+mn-cs"/>
         </a:defRPr>
       </a:lvl5pPr>
-      <a:lvl6pPr marL="1965960" indent="-256032" algn="l" defTabSz="914400" rtl="0" eaLnBrk="1" latinLnBrk="0" hangingPunct="1">
+      <a:lvl6pPr marL="1737360" indent="-182880" algn="l" defTabSz="914400" rtl="0" eaLnBrk="1" latinLnBrk="0" hangingPunct="1">
         <a:spcBef>
           <a:spcPct val="20000"/>
         </a:spcBef>
-        <a:buSzPct val="60000"/>
-        <a:buFont typeface="Wingdings" pitchFamily="2" charset="2"/>
-        <a:buChar char=""/>
-        <a:defRPr sz="1400" kern="1200">
+        <a:buClr>
+          <a:schemeClr val="accent1"/>
+        </a:buClr>
+        <a:buFont typeface="Arial" pitchFamily="34" charset="0"/>
+        <a:buChar char="•"/>
+        <a:defRPr sz="1400" kern="1200" baseline="0">
           <a:solidFill>
             <a:schemeClr val="tx1"/>
           </a:solidFill>
-          <a:effectLst>
-            <a:outerShdw blurRad="38100" dist="38100" dir="2700000" algn="ctr" rotWithShape="0">
-              <a:srgbClr val="000000">
-                <a:alpha val="43000"/>
-              </a:srgbClr>
-            </a:outerShdw>
-          </a:effectLst>
           <a:latin typeface="+mn-lt"/>
           <a:ea typeface="+mn-ea"/>
           <a:cs typeface="+mn-cs"/>
         </a:defRPr>
       </a:lvl6pPr>
-      <a:lvl7pPr marL="2240280" indent="-256032" algn="l" defTabSz="914400" rtl="0" eaLnBrk="1" latinLnBrk="0" hangingPunct="1">
+      <a:lvl7pPr marL="1920240" indent="-182880" algn="l" defTabSz="914400" rtl="0" eaLnBrk="1" latinLnBrk="0" hangingPunct="1">
         <a:spcBef>
           <a:spcPct val="20000"/>
         </a:spcBef>
-        <a:buSzPct val="60000"/>
-        <a:buFont typeface="Wingdings" pitchFamily="2" charset="2"/>
-        <a:buChar char=""/>
+        <a:buClr>
+          <a:schemeClr val="accent2"/>
+        </a:buClr>
+        <a:buFont typeface="Arial" pitchFamily="34" charset="0"/>
+        <a:buChar char="•"/>
         <a:defRPr sz="1400" kern="1200">
           <a:solidFill>
             <a:schemeClr val="tx1"/>
           </a:solidFill>
-          <a:effectLst>
-            <a:outerShdw blurRad="38100" dist="38100" dir="2700000" algn="ctr" rotWithShape="0">
-              <a:srgbClr val="000000">
-                <a:alpha val="43000"/>
-              </a:srgbClr>
-            </a:outerShdw>
-          </a:effectLst>
           <a:latin typeface="+mn-lt"/>
           <a:ea typeface="+mn-ea"/>
           <a:cs typeface="+mn-cs"/>
         </a:defRPr>
       </a:lvl7pPr>
-      <a:lvl8pPr marL="2514600" indent="-256032" algn="l" defTabSz="914400" rtl="0" eaLnBrk="1" latinLnBrk="0" hangingPunct="1">
+      <a:lvl8pPr marL="2103120" indent="-182880" algn="l" defTabSz="914400" rtl="0" eaLnBrk="1" latinLnBrk="0" hangingPunct="1">
         <a:spcBef>
           <a:spcPct val="20000"/>
         </a:spcBef>
-        <a:buSzPct val="60000"/>
-        <a:buFont typeface="Wingdings" pitchFamily="2" charset="2"/>
-        <a:buChar char=""/>
+        <a:buClr>
+          <a:schemeClr val="accent3"/>
+        </a:buClr>
+        <a:buFont typeface="Arial" pitchFamily="34" charset="0"/>
+        <a:buChar char="•"/>
         <a:defRPr sz="1400" kern="1200">
           <a:solidFill>
             <a:schemeClr val="tx1"/>
           </a:solidFill>
-          <a:effectLst>
-            <a:outerShdw blurRad="38100" dist="38100" dir="2700000" algn="ctr" rotWithShape="0">
-              <a:srgbClr val="000000">
-                <a:alpha val="43000"/>
-              </a:srgbClr>
-            </a:outerShdw>
-          </a:effectLst>
           <a:latin typeface="+mn-lt"/>
           <a:ea typeface="+mn-ea"/>
           <a:cs typeface="+mn-cs"/>
         </a:defRPr>
       </a:lvl8pPr>
-      <a:lvl9pPr marL="2834640" indent="-256032" algn="l" defTabSz="914400" rtl="0" eaLnBrk="1" latinLnBrk="0" hangingPunct="1">
+      <a:lvl9pPr marL="2286000" indent="-182880" algn="l" defTabSz="914400" rtl="0" eaLnBrk="1" latinLnBrk="0" hangingPunct="1">
         <a:spcBef>
           <a:spcPct val="20000"/>
         </a:spcBef>
-        <a:buSzPct val="60000"/>
-        <a:buFont typeface="Wingdings" pitchFamily="2" charset="2"/>
-        <a:buChar char=""/>
+        <a:buClr>
+          <a:schemeClr val="accent4"/>
+        </a:buClr>
+        <a:buFont typeface="Arial" pitchFamily="34" charset="0"/>
+        <a:buChar char="•"/>
         <a:defRPr sz="1400" kern="1200">
           <a:solidFill>
             <a:schemeClr val="tx1"/>
           </a:solidFill>
-          <a:effectLst>
-            <a:outerShdw blurRad="38100" dist="38100" dir="2700000" algn="ctr" rotWithShape="0">
-              <a:srgbClr val="000000">
-                <a:alpha val="43000"/>
-              </a:srgbClr>
-            </a:outerShdw>
-          </a:effectLst>
           <a:latin typeface="+mn-lt"/>
           <a:ea typeface="+mn-ea"/>
           <a:cs typeface="+mn-cs"/>
@@ -3735,13 +3222,17 @@
         </p:spPr>
         <p:txBody>
           <a:bodyPr>
-            <a:normAutofit lnSpcReduction="10000"/>
+            <a:normAutofit/>
           </a:bodyPr>
           <a:lstStyle/>
           <a:p>
             <a:r>
+              <a:rPr lang="en-US" dirty="0"/>
+              <a:t>Richard Allred, Jon </a:t>
+            </a:r>
+            <a:r>
               <a:rPr lang="en-US" dirty="0" smtClean="0"/>
-              <a:t>Jon Jackson, Dave </a:t>
+              <a:t>Jackson, Dave </a:t>
             </a:r>
             <a:r>
               <a:rPr lang="en-US" dirty="0" err="1" smtClean="0"/>
@@ -3749,13 +3240,16 @@
             </a:r>
             <a:r>
               <a:rPr lang="en-US" dirty="0" smtClean="0"/>
-              <a:t>, Richard Allred, James </a:t>
-            </a:r>
-            <a:r>
-              <a:rPr lang="en-US" dirty="0" err="1" smtClean="0"/>
+              <a:t>, </a:t>
+            </a:r>
+            <a:r>
+              <a:rPr lang="en-US" dirty="0" smtClean="0"/>
+              <a:t>James </a:t>
+            </a:r>
+            <a:r>
+              <a:rPr lang="en-US" dirty="0" smtClean="0"/>
               <a:t>Mighion</a:t>
             </a:r>
-            <a:endParaRPr lang="en-US" dirty="0" smtClean="0"/>
           </a:p>
         </p:txBody>
       </p:sp>
@@ -3791,6 +3285,29 @@
       </p:grpSpPr>
       <p:sp>
         <p:nvSpPr>
+          <p:cNvPr id="3" name="Title 2"/>
+          <p:cNvSpPr>
+            <a:spLocks noGrp="1"/>
+          </p:cNvSpPr>
+          <p:nvPr>
+            <p:ph type="title"/>
+          </p:nvPr>
+        </p:nvSpPr>
+        <p:spPr/>
+        <p:txBody>
+          <a:bodyPr/>
+          <a:lstStyle/>
+          <a:p>
+            <a:r>
+              <a:rPr lang="en-US" dirty="0" smtClean="0"/>
+              <a:t>Client</a:t>
+            </a:r>
+            <a:endParaRPr lang="en-US" dirty="0"/>
+          </a:p>
+        </p:txBody>
+      </p:sp>
+      <p:sp>
+        <p:nvSpPr>
           <p:cNvPr id="2" name="Content Placeholder 1"/>
           <p:cNvSpPr>
             <a:spLocks noGrp="1"/>
@@ -3825,29 +3342,6 @@
           </a:p>
           <a:p>
             <a:endParaRPr lang="en-US" dirty="0" smtClean="0"/>
-          </a:p>
-        </p:txBody>
-      </p:sp>
-      <p:sp>
-        <p:nvSpPr>
-          <p:cNvPr id="3" name="Title 2"/>
-          <p:cNvSpPr>
-            <a:spLocks noGrp="1"/>
-          </p:cNvSpPr>
-          <p:nvPr>
-            <p:ph type="title"/>
-          </p:nvPr>
-        </p:nvSpPr>
-        <p:spPr/>
-        <p:txBody>
-          <a:bodyPr/>
-          <a:lstStyle/>
-          <a:p>
-            <a:r>
-              <a:rPr lang="en-US" dirty="0" smtClean="0"/>
-              <a:t>Client</a:t>
-            </a:r>
-            <a:endParaRPr lang="en-US" dirty="0"/>
           </a:p>
         </p:txBody>
       </p:sp>
@@ -3883,6 +3377,29 @@
       </p:grpSpPr>
       <p:sp>
         <p:nvSpPr>
+          <p:cNvPr id="3" name="Title 2"/>
+          <p:cNvSpPr>
+            <a:spLocks noGrp="1"/>
+          </p:cNvSpPr>
+          <p:nvPr>
+            <p:ph type="title"/>
+          </p:nvPr>
+        </p:nvSpPr>
+        <p:spPr/>
+        <p:txBody>
+          <a:bodyPr/>
+          <a:lstStyle/>
+          <a:p>
+            <a:r>
+              <a:rPr lang="en-US" dirty="0" smtClean="0"/>
+              <a:t>Users</a:t>
+            </a:r>
+            <a:endParaRPr lang="en-US" dirty="0"/>
+          </a:p>
+        </p:txBody>
+      </p:sp>
+      <p:sp>
+        <p:nvSpPr>
           <p:cNvPr id="2" name="Content Placeholder 1"/>
           <p:cNvSpPr>
             <a:spLocks noGrp="1"/>
@@ -3904,17 +3421,8 @@
           <a:p>
             <a:r>
               <a:rPr lang="en-US" dirty="0" smtClean="0"/>
-              <a:t>Ages </a:t>
-            </a:r>
-            <a:r>
-              <a:rPr lang="en-US" dirty="0" smtClean="0"/>
-              <a:t>10</a:t>
-            </a:r>
-            <a:r>
-              <a:rPr lang="en-US" dirty="0" smtClean="0"/>
-              <a:t>+</a:t>
-            </a:r>
-            <a:endParaRPr lang="en-US" dirty="0" smtClean="0"/>
+              <a:t>Ages 10+</a:t>
+            </a:r>
           </a:p>
           <a:p>
             <a:r>
@@ -3928,29 +3436,6 @@
               <a:rPr lang="en-US" dirty="0" smtClean="0"/>
               <a:t>Need games that do not depend on speed or other physical capabilities</a:t>
             </a:r>
-          </a:p>
-        </p:txBody>
-      </p:sp>
-      <p:sp>
-        <p:nvSpPr>
-          <p:cNvPr id="3" name="Title 2"/>
-          <p:cNvSpPr>
-            <a:spLocks noGrp="1"/>
-          </p:cNvSpPr>
-          <p:nvPr>
-            <p:ph type="title"/>
-          </p:nvPr>
-        </p:nvSpPr>
-        <p:spPr/>
-        <p:txBody>
-          <a:bodyPr/>
-          <a:lstStyle/>
-          <a:p>
-            <a:r>
-              <a:rPr lang="en-US" dirty="0" smtClean="0"/>
-              <a:t>Users</a:t>
-            </a:r>
-            <a:endParaRPr lang="en-US" dirty="0"/>
           </a:p>
         </p:txBody>
       </p:sp>
@@ -3986,6 +3471,29 @@
       </p:grpSpPr>
       <p:sp>
         <p:nvSpPr>
+          <p:cNvPr id="3" name="Title 2"/>
+          <p:cNvSpPr>
+            <a:spLocks noGrp="1"/>
+          </p:cNvSpPr>
+          <p:nvPr>
+            <p:ph type="title"/>
+          </p:nvPr>
+        </p:nvSpPr>
+        <p:spPr/>
+        <p:txBody>
+          <a:bodyPr/>
+          <a:lstStyle/>
+          <a:p>
+            <a:r>
+              <a:rPr lang="en-US" dirty="0" smtClean="0"/>
+              <a:t>Our Game</a:t>
+            </a:r>
+            <a:endParaRPr lang="en-US" dirty="0"/>
+          </a:p>
+        </p:txBody>
+      </p:sp>
+      <p:sp>
+        <p:nvSpPr>
           <p:cNvPr id="2" name="Content Placeholder 1"/>
           <p:cNvSpPr>
             <a:spLocks noGrp="1"/>
@@ -3996,7 +3504,7 @@
         </p:nvSpPr>
         <p:spPr>
           <a:xfrm>
-            <a:off x="2133600" y="685801"/>
+            <a:off x="533400" y="1371600"/>
             <a:ext cx="6096000" cy="3886199"/>
           </a:xfrm>
         </p:spPr>
@@ -4054,11 +3562,7 @@
             <a:pPr lvl="2"/>
             <a:r>
               <a:rPr lang="en-US" dirty="0" smtClean="0"/>
-              <a:t>Not required, but available for switch </a:t>
-            </a:r>
-            <a:r>
-              <a:rPr lang="en-US" dirty="0" smtClean="0"/>
-              <a:t>user</a:t>
+              <a:t>Not required, but available for switch user</a:t>
             </a:r>
           </a:p>
           <a:p>
@@ -4074,30 +3578,6 @@
               <a:rPr lang="en-US" dirty="0" smtClean="0"/>
               <a:t>Customizable background color, font size, and font color</a:t>
             </a:r>
-            <a:endParaRPr lang="en-US" dirty="0" smtClean="0"/>
-          </a:p>
-        </p:txBody>
-      </p:sp>
-      <p:sp>
-        <p:nvSpPr>
-          <p:cNvPr id="3" name="Title 2"/>
-          <p:cNvSpPr>
-            <a:spLocks noGrp="1"/>
-          </p:cNvSpPr>
-          <p:nvPr>
-            <p:ph type="title"/>
-          </p:nvPr>
-        </p:nvSpPr>
-        <p:spPr/>
-        <p:txBody>
-          <a:bodyPr/>
-          <a:lstStyle/>
-          <a:p>
-            <a:r>
-              <a:rPr lang="en-US" dirty="0" smtClean="0"/>
-              <a:t>Our Game</a:t>
-            </a:r>
-            <a:endParaRPr lang="en-US" dirty="0"/>
           </a:p>
         </p:txBody>
       </p:sp>
@@ -4133,6 +3613,29 @@
       </p:grpSpPr>
       <p:sp>
         <p:nvSpPr>
+          <p:cNvPr id="3" name="Title 2"/>
+          <p:cNvSpPr>
+            <a:spLocks noGrp="1"/>
+          </p:cNvSpPr>
+          <p:nvPr>
+            <p:ph type="title"/>
+          </p:nvPr>
+        </p:nvSpPr>
+        <p:spPr/>
+        <p:txBody>
+          <a:bodyPr/>
+          <a:lstStyle/>
+          <a:p>
+            <a:r>
+              <a:rPr lang="en-US" dirty="0" smtClean="0"/>
+              <a:t>Content</a:t>
+            </a:r>
+            <a:endParaRPr lang="en-US" dirty="0"/>
+          </a:p>
+        </p:txBody>
+      </p:sp>
+      <p:sp>
+        <p:nvSpPr>
           <p:cNvPr id="2" name="Content Placeholder 1"/>
           <p:cNvSpPr>
             <a:spLocks noGrp="1"/>
@@ -4143,7 +3646,7 @@
         </p:nvSpPr>
         <p:spPr>
           <a:xfrm>
-            <a:off x="2133600" y="685801"/>
+            <a:off x="533400" y="1295400"/>
             <a:ext cx="6096000" cy="4343399"/>
           </a:xfrm>
         </p:spPr>
@@ -4171,11 +3674,7 @@
           <a:p>
             <a:r>
               <a:rPr lang="en-US" dirty="0" smtClean="0"/>
-              <a:t>Different ways to play through the </a:t>
-            </a:r>
-            <a:r>
-              <a:rPr lang="en-US" dirty="0" smtClean="0"/>
-              <a:t>game</a:t>
+              <a:t>Different ways to play through the game</a:t>
             </a:r>
           </a:p>
           <a:p>
@@ -4183,7 +3682,6 @@
               <a:rPr lang="en-US" dirty="0" smtClean="0"/>
               <a:t>Different difficulties</a:t>
             </a:r>
-            <a:endParaRPr lang="en-US" dirty="0" smtClean="0"/>
           </a:p>
           <a:p>
             <a:r>
@@ -4219,32 +3717,8 @@
               <a:rPr lang="en-US" dirty="0" smtClean="0"/>
               <a:t>Safecracking</a:t>
             </a:r>
-            <a:endParaRPr lang="en-US" dirty="0" smtClean="0"/>
-          </a:p>
-          <a:p>
-            <a:endParaRPr lang="en-US" dirty="0"/>
-          </a:p>
-        </p:txBody>
-      </p:sp>
-      <p:sp>
-        <p:nvSpPr>
-          <p:cNvPr id="3" name="Title 2"/>
-          <p:cNvSpPr>
-            <a:spLocks noGrp="1"/>
-          </p:cNvSpPr>
-          <p:nvPr>
-            <p:ph type="title"/>
-          </p:nvPr>
-        </p:nvSpPr>
-        <p:spPr/>
-        <p:txBody>
-          <a:bodyPr/>
-          <a:lstStyle/>
-          <a:p>
-            <a:r>
-              <a:rPr lang="en-US" dirty="0" smtClean="0"/>
-              <a:t>Content</a:t>
-            </a:r>
+          </a:p>
+          <a:p>
             <a:endParaRPr lang="en-US" dirty="0"/>
           </a:p>
         </p:txBody>
@@ -4281,6 +3755,29 @@
       </p:grpSpPr>
       <p:sp>
         <p:nvSpPr>
+          <p:cNvPr id="3" name="Title 2"/>
+          <p:cNvSpPr>
+            <a:spLocks noGrp="1"/>
+          </p:cNvSpPr>
+          <p:nvPr>
+            <p:ph type="title"/>
+          </p:nvPr>
+        </p:nvSpPr>
+        <p:spPr/>
+        <p:txBody>
+          <a:bodyPr/>
+          <a:lstStyle/>
+          <a:p>
+            <a:r>
+              <a:rPr lang="en-US" dirty="0" smtClean="0"/>
+              <a:t>Demo</a:t>
+            </a:r>
+            <a:endParaRPr lang="en-US" dirty="0"/>
+          </a:p>
+        </p:txBody>
+      </p:sp>
+      <p:sp>
+        <p:nvSpPr>
           <p:cNvPr id="2" name="Content Placeholder 1"/>
           <p:cNvSpPr>
             <a:spLocks noGrp="1"/>
@@ -4305,29 +3802,6 @@
                 <a:hlinkClick r:id="rId2"/>
               </a:rPr>
               <a:t>Dookenstein</a:t>
-            </a:r>
-            <a:endParaRPr lang="en-US" dirty="0"/>
-          </a:p>
-        </p:txBody>
-      </p:sp>
-      <p:sp>
-        <p:nvSpPr>
-          <p:cNvPr id="3" name="Title 2"/>
-          <p:cNvSpPr>
-            <a:spLocks noGrp="1"/>
-          </p:cNvSpPr>
-          <p:nvPr>
-            <p:ph type="title"/>
-          </p:nvPr>
-        </p:nvSpPr>
-        <p:spPr/>
-        <p:txBody>
-          <a:bodyPr/>
-          <a:lstStyle/>
-          <a:p>
-            <a:r>
-              <a:rPr lang="en-US" dirty="0" smtClean="0"/>
-              <a:t>Demo</a:t>
             </a:r>
             <a:endParaRPr lang="en-US" dirty="0"/>
           </a:p>
@@ -4347,58 +3821,58 @@
 </file>
 
 <file path=ppt/theme/theme1.xml><?xml version="1.0" encoding="utf-8"?>
-<a:theme xmlns:a="http://schemas.openxmlformats.org/drawingml/2006/main" name="Elemental">
+<a:theme xmlns:a="http://schemas.openxmlformats.org/drawingml/2006/main" name="Adjacency">
   <a:themeElements>
-    <a:clrScheme name="Elemental">
+    <a:clrScheme name="Adjacency">
       <a:dk1>
-        <a:sysClr val="windowText" lastClr="000000"/>
+        <a:srgbClr val="2F2B20"/>
       </a:dk1>
       <a:lt1>
-        <a:sysClr val="window" lastClr="FFFFFF"/>
+        <a:srgbClr val="FFFFFF"/>
       </a:lt1>
       <a:dk2>
-        <a:srgbClr val="242852"/>
+        <a:srgbClr val="675E47"/>
       </a:dk2>
       <a:lt2>
-        <a:srgbClr val="ACCBF9"/>
+        <a:srgbClr val="DFDCB7"/>
       </a:lt2>
       <a:accent1>
-        <a:srgbClr val="629DD1"/>
+        <a:srgbClr val="A9A57C"/>
       </a:accent1>
       <a:accent2>
-        <a:srgbClr val="297FD5"/>
+        <a:srgbClr val="9CBEBD"/>
       </a:accent2>
       <a:accent3>
-        <a:srgbClr val="7F8FA9"/>
+        <a:srgbClr val="D2CB6C"/>
       </a:accent3>
       <a:accent4>
-        <a:srgbClr val="4A66AC"/>
+        <a:srgbClr val="95A39D"/>
       </a:accent4>
       <a:accent5>
-        <a:srgbClr val="5AA2AE"/>
+        <a:srgbClr val="C89F5D"/>
       </a:accent5>
       <a:accent6>
-        <a:srgbClr val="9D90A0"/>
+        <a:srgbClr val="B1A089"/>
       </a:accent6>
       <a:hlink>
-        <a:srgbClr val="9454C3"/>
+        <a:srgbClr val="D25814"/>
       </a:hlink>
       <a:folHlink>
-        <a:srgbClr val="3EBBF0"/>
+        <a:srgbClr val="849A0A"/>
       </a:folHlink>
     </a:clrScheme>
-    <a:fontScheme name="Elemental">
+    <a:fontScheme name="Office">
       <a:majorFont>
-        <a:latin typeface="Palatino Linotype"/>
+        <a:latin typeface="Cambria"/>
         <a:ea typeface=""/>
         <a:cs typeface=""/>
-        <a:font script="Jpan" typeface="HGS明朝E"/>
+        <a:font script="Jpan" typeface="ＭＳ ゴシック"/>
         <a:font script="Hang" typeface="맑은 고딕"/>
         <a:font script="Hans" typeface="宋体"/>
         <a:font script="Hant" typeface="新細明體"/>
         <a:font script="Arab" typeface="Times New Roman"/>
         <a:font script="Hebr" typeface="Times New Roman"/>
-        <a:font script="Thai" typeface="Browallia New"/>
+        <a:font script="Thai" typeface="Angsana New"/>
         <a:font script="Ethi" typeface="Nyala"/>
         <a:font script="Beng" typeface="Vrinda"/>
         <a:font script="Gujr" typeface="Shruti"/>
@@ -4424,20 +3898,20 @@
         <a:font script="Geor" typeface="Sylfaen"/>
       </a:majorFont>
       <a:minorFont>
-        <a:latin typeface="Palatino Linotype"/>
+        <a:latin typeface="Calibri"/>
         <a:ea typeface=""/>
         <a:cs typeface=""/>
-        <a:font script="Jpan" typeface="HGS明朝E"/>
+        <a:font script="Jpan" typeface="ＭＳ 明朝"/>
         <a:font script="Hang" typeface="맑은 고딕"/>
         <a:font script="Hans" typeface="宋体"/>
         <a:font script="Hant" typeface="新細明體"/>
-        <a:font script="Arab" typeface="Times New Roman"/>
-        <a:font script="Hebr" typeface="Times New Roman"/>
-        <a:font script="Thai" typeface="Browallia New"/>
+        <a:font script="Arab" typeface="Arial"/>
+        <a:font script="Hebr" typeface="Arial"/>
+        <a:font script="Thai" typeface="Cordia New"/>
         <a:font script="Ethi" typeface="Nyala"/>
         <a:font script="Beng" typeface="Vrinda"/>
         <a:font script="Gujr" typeface="Shruti"/>
-        <a:font script="Khmr" typeface="MoolBoran"/>
+        <a:font script="Khmr" typeface="DaunPenh"/>
         <a:font script="Knda" typeface="Tunga"/>
         <a:font script="Guru" typeface="Raavi"/>
         <a:font script="Cans" typeface="Euphemia"/>
@@ -4454,75 +3928,42 @@
         <a:font script="Laoo" typeface="DokChampa"/>
         <a:font script="Sinh" typeface="Iskoola Pota"/>
         <a:font script="Mong" typeface="Mongolian Baiti"/>
-        <a:font script="Viet" typeface="Times New Roman"/>
+        <a:font script="Viet" typeface="Arial"/>
         <a:font script="Uigh" typeface="Microsoft Uighur"/>
         <a:font script="Geor" typeface="Sylfaen"/>
       </a:minorFont>
     </a:fontScheme>
-    <a:fmtScheme name="Elemental">
+    <a:fmtScheme name="Adjacency">
       <a:fillStyleLst>
         <a:solidFill>
           <a:schemeClr val="phClr"/>
         </a:solidFill>
-        <a:gradFill rotWithShape="1">
-          <a:gsLst>
-            <a:gs pos="0">
-              <a:schemeClr val="phClr">
-                <a:tint val="90000"/>
-              </a:schemeClr>
-            </a:gs>
-            <a:gs pos="48000">
-              <a:schemeClr val="phClr">
-                <a:tint val="54000"/>
-                <a:satMod val="140000"/>
-              </a:schemeClr>
-            </a:gs>
-            <a:gs pos="100000">
-              <a:schemeClr val="phClr">
-                <a:tint val="24000"/>
-                <a:satMod val="260000"/>
-              </a:schemeClr>
-            </a:gs>
-          </a:gsLst>
-          <a:lin ang="16200000" scaled="1"/>
-        </a:gradFill>
-        <a:gradFill rotWithShape="1">
-          <a:gsLst>
-            <a:gs pos="0">
-              <a:schemeClr val="phClr"/>
-            </a:gs>
-            <a:gs pos="100000">
-              <a:schemeClr val="phClr">
-                <a:shade val="48000"/>
-                <a:satMod val="180000"/>
-                <a:lumMod val="94000"/>
-              </a:schemeClr>
-            </a:gs>
-            <a:gs pos="100000">
-              <a:schemeClr val="phClr">
-                <a:shade val="48000"/>
-                <a:satMod val="180000"/>
-                <a:lumMod val="94000"/>
-              </a:schemeClr>
-            </a:gs>
-          </a:gsLst>
-          <a:lin ang="4140000" scaled="1"/>
-        </a:gradFill>
+        <a:solidFill>
+          <a:schemeClr val="phClr">
+            <a:tint val="55000"/>
+          </a:schemeClr>
+        </a:solidFill>
+        <a:solidFill>
+          <a:schemeClr val="phClr"/>
+        </a:solidFill>
       </a:fillStyleLst>
       <a:lnStyleLst>
         <a:ln w="12700" cap="flat" cmpd="sng" algn="ctr">
+          <a:solidFill>
+            <a:schemeClr val="phClr">
+              <a:shade val="95000"/>
+              <a:satMod val="105000"/>
+            </a:schemeClr>
+          </a:solidFill>
+          <a:prstDash val="solid"/>
+        </a:ln>
+        <a:ln w="25400" cap="flat" cmpd="sng" algn="ctr">
           <a:solidFill>
             <a:schemeClr val="phClr"/>
           </a:solidFill>
           <a:prstDash val="solid"/>
         </a:ln>
-        <a:ln w="19050" cap="flat" cmpd="sng" algn="ctr">
-          <a:solidFill>
-            <a:schemeClr val="phClr"/>
-          </a:solidFill>
-          <a:prstDash val="solid"/>
-        </a:ln>
-        <a:ln w="28575" cap="flat" cmpd="sng" algn="ctr">
+        <a:ln w="38100" cap="flat" cmpd="sng" algn="ctr">
           <a:solidFill>
             <a:schemeClr val="phClr"/>
           </a:solidFill>
@@ -4531,52 +3972,35 @@
       </a:lnStyleLst>
       <a:effectStyleLst>
         <a:effectStyle>
+          <a:effectLst/>
+        </a:effectStyle>
+        <a:effectStyle>
           <a:effectLst>
-            <a:outerShdw blurRad="63500" dist="12700" dir="5400000" sx="102000" sy="102000" rotWithShape="0">
+            <a:outerShdw blurRad="50800" dist="25400" algn="bl" rotWithShape="0">
               <a:srgbClr val="000000">
-                <a:alpha val="32000"/>
+                <a:alpha val="60000"/>
               </a:srgbClr>
             </a:outerShdw>
           </a:effectLst>
         </a:effectStyle>
         <a:effectStyle>
-          <a:effectLst>
-            <a:outerShdw blurRad="76200" dist="38100" dir="5400000" rotWithShape="0">
-              <a:srgbClr val="000000">
-                <a:alpha val="60000"/>
-              </a:srgbClr>
-            </a:outerShdw>
-          </a:effectLst>
+          <a:effectLst/>
           <a:scene3d>
             <a:camera prst="orthographicFront">
               <a:rot lat="0" lon="0" rev="0"/>
             </a:camera>
-            <a:lightRig rig="glow" dir="tl">
-              <a:rot lat="0" lon="0" rev="19800000"/>
+            <a:lightRig rig="brightRoom" dir="tl">
+              <a:rot lat="0" lon="0" rev="1800000"/>
             </a:lightRig>
           </a:scene3d>
-          <a:sp3d prstMaterial="metal">
-            <a:bevelT w="38100" h="38100"/>
-          </a:sp3d>
-        </a:effectStyle>
-        <a:effectStyle>
-          <a:effectLst>
-            <a:outerShdw blurRad="114300" dist="114300" dir="5400000" rotWithShape="0">
-              <a:srgbClr val="000000">
-                <a:alpha val="70000"/>
-              </a:srgbClr>
-            </a:outerShdw>
-          </a:effectLst>
-          <a:scene3d>
-            <a:camera prst="orthographicFront">
-              <a:rot lat="0" lon="0" rev="0"/>
-            </a:camera>
-            <a:lightRig rig="threePt" dir="t">
-              <a:rot lat="0" lon="0" rev="19800000"/>
-            </a:lightRig>
-          </a:scene3d>
-          <a:sp3d prstMaterial="plastic">
-            <a:bevelT w="50800" h="50800"/>
+          <a:sp3d contourW="10160" prstMaterial="dkEdge">
+            <a:bevelT w="38100" h="50800" prst="angle"/>
+            <a:contourClr>
+              <a:schemeClr val="phClr">
+                <a:shade val="40000"/>
+                <a:satMod val="150000"/>
+              </a:schemeClr>
+            </a:contourClr>
           </a:sp3d>
         </a:effectStyle>
       </a:effectStyleLst>
@@ -4588,32 +4012,38 @@
           <a:gsLst>
             <a:gs pos="0">
               <a:schemeClr val="phClr">
-                <a:tint val="95000"/>
+                <a:tint val="90000"/>
+              </a:schemeClr>
+            </a:gs>
+            <a:gs pos="75000">
+              <a:schemeClr val="phClr">
+                <a:shade val="100000"/>
+                <a:satMod val="115000"/>
               </a:schemeClr>
             </a:gs>
             <a:gs pos="100000">
               <a:schemeClr val="phClr">
-                <a:shade val="40000"/>
-                <a:satMod val="180000"/>
+                <a:shade val="70000"/>
+                <a:satMod val="130000"/>
               </a:schemeClr>
             </a:gs>
           </a:gsLst>
-          <a:lin ang="5400000" scaled="0"/>
+          <a:path path="circle">
+            <a:fillToRect l="20000" t="50000" r="100000" b="50000"/>
+          </a:path>
         </a:gradFill>
-        <a:blipFill>
+        <a:blipFill rotWithShape="1">
           <a:blip xmlns:r="http://schemas.openxmlformats.org/officeDocument/2006/relationships" r:embed="rId1">
             <a:duotone>
               <a:schemeClr val="phClr">
-                <a:shade val="14000"/>
-                <a:satMod val="280000"/>
+                <a:tint val="97000"/>
               </a:schemeClr>
               <a:schemeClr val="phClr">
-                <a:tint val="60000"/>
-                <a:satMod val="120000"/>
+                <a:shade val="96000"/>
               </a:schemeClr>
             </a:duotone>
           </a:blip>
-          <a:stretch/>
+          <a:tile tx="0" ty="0" sx="32000" sy="32000" flip="none" algn="tl"/>
         </a:blipFill>
       </a:bgFillStyleLst>
     </a:fmtScheme>
